--- a/content/09-services-application-architectures.pptx
+++ b/content/09-services-application-architectures.pptx
@@ -5,25 +5,26 @@
     <p:sldMasterId id="2147483696" r:id="rId1"/>
   </p:sldMasterIdLst>
   <p:notesMasterIdLst>
-    <p:notesMasterId r:id="rId18"/>
+    <p:notesMasterId r:id="rId19"/>
   </p:notesMasterIdLst>
   <p:sldIdLst>
     <p:sldId id="297" r:id="rId2"/>
     <p:sldId id="289" r:id="rId3"/>
-    <p:sldId id="258" r:id="rId4"/>
-    <p:sldId id="298" r:id="rId5"/>
-    <p:sldId id="337" r:id="rId6"/>
-    <p:sldId id="338" r:id="rId7"/>
-    <p:sldId id="340" r:id="rId8"/>
-    <p:sldId id="305" r:id="rId9"/>
-    <p:sldId id="303" r:id="rId10"/>
-    <p:sldId id="301" r:id="rId11"/>
-    <p:sldId id="294" r:id="rId12"/>
-    <p:sldId id="291" r:id="rId13"/>
-    <p:sldId id="341" r:id="rId14"/>
-    <p:sldId id="292" r:id="rId15"/>
-    <p:sldId id="300" r:id="rId16"/>
-    <p:sldId id="283" r:id="rId17"/>
+    <p:sldId id="342" r:id="rId4"/>
+    <p:sldId id="258" r:id="rId5"/>
+    <p:sldId id="298" r:id="rId6"/>
+    <p:sldId id="337" r:id="rId7"/>
+    <p:sldId id="338" r:id="rId8"/>
+    <p:sldId id="340" r:id="rId9"/>
+    <p:sldId id="305" r:id="rId10"/>
+    <p:sldId id="303" r:id="rId11"/>
+    <p:sldId id="301" r:id="rId12"/>
+    <p:sldId id="294" r:id="rId13"/>
+    <p:sldId id="291" r:id="rId14"/>
+    <p:sldId id="341" r:id="rId15"/>
+    <p:sldId id="292" r:id="rId16"/>
+    <p:sldId id="300" r:id="rId17"/>
+    <p:sldId id="283" r:id="rId18"/>
   </p:sldIdLst>
   <p:sldSz cx="12192000" cy="6858000"/>
   <p:notesSz cx="6858000" cy="9144000"/>
@@ -129,6 +130,7 @@
           <p14:sldIdLst>
             <p14:sldId id="297"/>
             <p14:sldId id="289"/>
+            <p14:sldId id="342"/>
             <p14:sldId id="258"/>
             <p14:sldId id="298"/>
           </p14:sldIdLst>
@@ -3569,7 +3571,7 @@
           <a:p>
             <a:fld id="{7BCB8214-0E7E-4EFC-9E1C-25F6159D4170}" type="datetimeFigureOut">
               <a:rPr lang="en-US" smtClean="0"/>
-              <a:t>9/6/2018</a:t>
+              <a:t>9/16/2018</a:t>
             </a:fld>
             <a:endParaRPr lang="en-US"/>
           </a:p>
@@ -3904,7 +3906,7 @@
           <a:p>
             <a:fld id="{0112F830-31CF-4898-9DC8-86941997CB87}" type="slidenum">
               <a:rPr lang="en-US" smtClean="0"/>
-              <a:t>3</a:t>
+              <a:t>4</a:t>
             </a:fld>
             <a:endParaRPr lang="en-US"/>
           </a:p>
@@ -4052,7 +4054,7 @@
                 <a:tabLst/>
                 <a:defRPr/>
               </a:pPr>
-              <a:t>7</a:t>
+              <a:t>8</a:t>
             </a:fld>
             <a:endParaRPr kumimoji="0" lang="en-US" sz="1200" b="0" i="0" u="none" strike="noStrike" kern="1200" cap="none" spc="0" normalizeH="0" baseline="0" noProof="0">
               <a:ln>
@@ -4157,7 +4159,7 @@
           <a:p>
             <a:fld id="{E564724E-7CB4-4288-908A-97852378BB2E}" type="slidenum">
               <a:rPr lang="en-US" smtClean="0"/>
-              <a:t>8</a:t>
+              <a:t>9</a:t>
             </a:fld>
             <a:endParaRPr lang="en-US"/>
           </a:p>
@@ -4264,7 +4266,7 @@
           <a:p>
             <a:fld id="{0112F830-31CF-4898-9DC8-86941997CB87}" type="slidenum">
               <a:rPr lang="en-US" smtClean="0"/>
-              <a:t>14</a:t>
+              <a:t>15</a:t>
             </a:fld>
             <a:endParaRPr lang="en-US"/>
           </a:p>
@@ -4414,7 +4416,7 @@
           <a:p>
             <a:fld id="{C8AC65AB-5746-43EA-A59E-648FB11CA309}" type="datetimeFigureOut">
               <a:rPr lang="en-US" smtClean="0"/>
-              <a:t>9/6/2018</a:t>
+              <a:t>9/16/2018</a:t>
             </a:fld>
             <a:endParaRPr lang="en-US"/>
           </a:p>
@@ -4584,7 +4586,7 @@
           <a:p>
             <a:fld id="{C8AC65AB-5746-43EA-A59E-648FB11CA309}" type="datetimeFigureOut">
               <a:rPr lang="en-US" smtClean="0"/>
-              <a:t>9/6/2018</a:t>
+              <a:t>9/16/2018</a:t>
             </a:fld>
             <a:endParaRPr lang="en-US"/>
           </a:p>
@@ -4764,7 +4766,7 @@
           <a:p>
             <a:fld id="{C8AC65AB-5746-43EA-A59E-648FB11CA309}" type="datetimeFigureOut">
               <a:rPr lang="en-US" smtClean="0"/>
-              <a:t>9/6/2018</a:t>
+              <a:t>9/16/2018</a:t>
             </a:fld>
             <a:endParaRPr lang="en-US"/>
           </a:p>
@@ -5057,7 +5059,7 @@
           <a:p>
             <a:fld id="{00682357-D158-470D-AD20-0063E9FBD795}" type="datetime1">
               <a:rPr lang="en-US" smtClean="0"/>
-              <a:t>9/6/2018</a:t>
+              <a:t>9/16/2018</a:t>
             </a:fld>
             <a:endParaRPr lang="en-US" dirty="0"/>
           </a:p>
@@ -5510,7 +5512,7 @@
           <a:p>
             <a:fld id="{C8AC65AB-5746-43EA-A59E-648FB11CA309}" type="datetimeFigureOut">
               <a:rPr lang="en-US" smtClean="0"/>
-              <a:t>9/6/2018</a:t>
+              <a:t>9/16/2018</a:t>
             </a:fld>
             <a:endParaRPr lang="en-US"/>
           </a:p>
@@ -5755,7 +5757,7 @@
           <a:p>
             <a:fld id="{C8AC65AB-5746-43EA-A59E-648FB11CA309}" type="datetimeFigureOut">
               <a:rPr lang="en-US" smtClean="0"/>
-              <a:t>9/6/2018</a:t>
+              <a:t>9/16/2018</a:t>
             </a:fld>
             <a:endParaRPr lang="en-US"/>
           </a:p>
@@ -5992,7 +5994,7 @@
           <a:p>
             <a:fld id="{C8AC65AB-5746-43EA-A59E-648FB11CA309}" type="datetimeFigureOut">
               <a:rPr lang="en-US" smtClean="0"/>
-              <a:t>9/6/2018</a:t>
+              <a:t>9/16/2018</a:t>
             </a:fld>
             <a:endParaRPr lang="en-US"/>
           </a:p>
@@ -6368,7 +6370,7 @@
           <a:p>
             <a:fld id="{C8AC65AB-5746-43EA-A59E-648FB11CA309}" type="datetimeFigureOut">
               <a:rPr lang="en-US" smtClean="0"/>
-              <a:t>9/6/2018</a:t>
+              <a:t>9/16/2018</a:t>
             </a:fld>
             <a:endParaRPr lang="en-US"/>
           </a:p>
@@ -6491,7 +6493,7 @@
           <a:p>
             <a:fld id="{C8AC65AB-5746-43EA-A59E-648FB11CA309}" type="datetimeFigureOut">
               <a:rPr lang="en-US" smtClean="0"/>
-              <a:t>9/6/2018</a:t>
+              <a:t>9/16/2018</a:t>
             </a:fld>
             <a:endParaRPr lang="en-US"/>
           </a:p>
@@ -6586,7 +6588,7 @@
           <a:p>
             <a:fld id="{C8AC65AB-5746-43EA-A59E-648FB11CA309}" type="datetimeFigureOut">
               <a:rPr lang="en-US" smtClean="0"/>
-              <a:t>9/6/2018</a:t>
+              <a:t>9/16/2018</a:t>
             </a:fld>
             <a:endParaRPr lang="en-US"/>
           </a:p>
@@ -6863,7 +6865,7 @@
           <a:p>
             <a:fld id="{C8AC65AB-5746-43EA-A59E-648FB11CA309}" type="datetimeFigureOut">
               <a:rPr lang="en-US" smtClean="0"/>
-              <a:t>9/6/2018</a:t>
+              <a:t>9/16/2018</a:t>
             </a:fld>
             <a:endParaRPr lang="en-US"/>
           </a:p>
@@ -7120,7 +7122,7 @@
           <a:p>
             <a:fld id="{C8AC65AB-5746-43EA-A59E-648FB11CA309}" type="datetimeFigureOut">
               <a:rPr lang="en-US" smtClean="0"/>
-              <a:t>9/6/2018</a:t>
+              <a:t>9/16/2018</a:t>
             </a:fld>
             <a:endParaRPr lang="en-US"/>
           </a:p>
@@ -7333,7 +7335,7 @@
           <a:p>
             <a:fld id="{C8AC65AB-5746-43EA-A59E-648FB11CA309}" type="datetimeFigureOut">
               <a:rPr lang="en-US" smtClean="0"/>
-              <a:t>9/6/2018</a:t>
+              <a:t>9/16/2018</a:t>
             </a:fld>
             <a:endParaRPr lang="en-US"/>
           </a:p>
@@ -8066,6 +8068,176 @@
             <p:ph type="title"/>
           </p:nvPr>
         </p:nvSpPr>
+        <p:spPr>
+          <a:xfrm>
+            <a:off x="452387" y="365125"/>
+            <a:ext cx="10901413" cy="1325563"/>
+          </a:xfrm>
+        </p:spPr>
+        <p:txBody>
+          <a:bodyPr/>
+          <a:lstStyle/>
+          <a:p>
+            <a:r>
+              <a:rPr lang="en-US" dirty="0"/>
+              <a:t>Check:</a:t>
+            </a:r>
+          </a:p>
+        </p:txBody>
+      </p:sp>
+      <p:sp>
+        <p:nvSpPr>
+          <p:cNvPr id="3" name="Content Placeholder 2"/>
+          <p:cNvSpPr>
+            <a:spLocks noGrp="1"/>
+          </p:cNvSpPr>
+          <p:nvPr>
+            <p:ph idx="1"/>
+          </p:nvPr>
+        </p:nvSpPr>
+        <p:spPr>
+          <a:xfrm>
+            <a:off x="308008" y="1825625"/>
+            <a:ext cx="2849077" cy="4351338"/>
+          </a:xfrm>
+        </p:spPr>
+        <p:txBody>
+          <a:bodyPr>
+            <a:normAutofit/>
+          </a:bodyPr>
+          <a:lstStyle/>
+          <a:p>
+            <a:r>
+              <a:rPr lang="en-US" sz="2800" dirty="0"/>
+              <a:t>Example </a:t>
+            </a:r>
+            <a:r>
+              <a:rPr lang="en-US" sz="2800" dirty="0">
+                <a:sym typeface="Wingdings" panose="05000000000000000000" pitchFamily="2" charset="2"/>
+              </a:rPr>
+              <a:t></a:t>
+            </a:r>
+            <a:endParaRPr lang="en-US" sz="2800" dirty="0"/>
+          </a:p>
+          <a:p>
+            <a:r>
+              <a:rPr lang="en-US" sz="2800" dirty="0"/>
+              <a:t>Code:</a:t>
+            </a:r>
+          </a:p>
+          <a:p>
+            <a:pPr lvl="1"/>
+            <a:r>
+              <a:rPr lang="en-US" sz="2400" dirty="0"/>
+              <a:t>Presentation?</a:t>
+            </a:r>
+          </a:p>
+          <a:p>
+            <a:pPr lvl="1"/>
+            <a:r>
+              <a:rPr lang="en-US" sz="2400" dirty="0"/>
+              <a:t>Business</a:t>
+            </a:r>
+            <a:br>
+              <a:rPr lang="en-US" sz="2400" dirty="0"/>
+            </a:br>
+            <a:r>
+              <a:rPr lang="en-US" sz="2400" dirty="0"/>
+              <a:t>Logic ?</a:t>
+            </a:r>
+          </a:p>
+          <a:p>
+            <a:pPr lvl="1"/>
+            <a:r>
+              <a:rPr lang="en-US" sz="2400" dirty="0"/>
+              <a:t>Data Access? </a:t>
+            </a:r>
+          </a:p>
+          <a:p>
+            <a:r>
+              <a:rPr lang="en-US" sz="2800" dirty="0"/>
+              <a:t>Data</a:t>
+            </a:r>
+          </a:p>
+          <a:p>
+            <a:pPr lvl="1"/>
+            <a:r>
+              <a:rPr lang="en-US" sz="2400" dirty="0"/>
+              <a:t>Business Data ?</a:t>
+            </a:r>
+          </a:p>
+        </p:txBody>
+      </p:sp>
+      <p:pic>
+        <p:nvPicPr>
+          <p:cNvPr id="10" name="Picture 9"/>
+          <p:cNvPicPr>
+            <a:picLocks noChangeAspect="1"/>
+          </p:cNvPicPr>
+          <p:nvPr/>
+        </p:nvPicPr>
+        <p:blipFill>
+          <a:blip r:embed="rId2">
+            <a:extLst>
+              <a:ext uri="{28A0092B-C50C-407E-A947-70E740481C1C}">
+                <a14:useLocalDpi xmlns:a14="http://schemas.microsoft.com/office/drawing/2010/main" val="0"/>
+              </a:ext>
+            </a:extLst>
+          </a:blip>
+          <a:stretch>
+            <a:fillRect/>
+          </a:stretch>
+        </p:blipFill>
+        <p:spPr>
+          <a:xfrm>
+            <a:off x="3227673" y="109487"/>
+            <a:ext cx="8824761" cy="6618571"/>
+          </a:xfrm>
+          <a:prstGeom prst="rect">
+            <a:avLst/>
+          </a:prstGeom>
+        </p:spPr>
+      </p:pic>
+    </p:spTree>
+    <p:extLst>
+      <p:ext uri="{BB962C8B-B14F-4D97-AF65-F5344CB8AC3E}">
+        <p14:creationId xmlns:p14="http://schemas.microsoft.com/office/powerpoint/2010/main" val="3425537333"/>
+      </p:ext>
+    </p:extLst>
+  </p:cSld>
+  <p:clrMapOvr>
+    <a:masterClrMapping/>
+  </p:clrMapOvr>
+</p:sld>
+</file>
+
+<file path=ppt/slides/slide11.xml><?xml version="1.0" encoding="utf-8"?>
+<p:sld xmlns:a="http://schemas.openxmlformats.org/drawingml/2006/main" xmlns:r="http://schemas.openxmlformats.org/officeDocument/2006/relationships" xmlns:p="http://schemas.openxmlformats.org/presentationml/2006/main">
+  <p:cSld>
+    <p:spTree>
+      <p:nvGrpSpPr>
+        <p:cNvPr id="1" name=""/>
+        <p:cNvGrpSpPr/>
+        <p:nvPr/>
+      </p:nvGrpSpPr>
+      <p:grpSpPr>
+        <a:xfrm>
+          <a:off x="0" y="0"/>
+          <a:ext cx="0" cy="0"/>
+          <a:chOff x="0" y="0"/>
+          <a:chExt cx="0" cy="0"/>
+        </a:xfrm>
+      </p:grpSpPr>
+      <p:sp>
+        <p:nvSpPr>
+          <p:cNvPr id="2" name="Title 1"/>
+          <p:cNvSpPr>
+            <a:spLocks noGrp="1"/>
+          </p:cNvSpPr>
+          <p:nvPr>
+            <p:ph type="title"/>
+          </p:nvPr>
+        </p:nvSpPr>
         <p:spPr/>
         <p:txBody>
           <a:bodyPr/>
@@ -8237,7 +8409,7 @@
 </p:sld>
 </file>
 
-<file path=ppt/slides/slide11.xml><?xml version="1.0" encoding="utf-8"?>
+<file path=ppt/slides/slide12.xml><?xml version="1.0" encoding="utf-8"?>
 <p:sld xmlns:a="http://schemas.openxmlformats.org/drawingml/2006/main" xmlns:r="http://schemas.openxmlformats.org/officeDocument/2006/relationships" xmlns:p="http://schemas.openxmlformats.org/presentationml/2006/main">
   <p:cSld>
     <p:spTree>
@@ -8444,7 +8616,7 @@
 </p:sld>
 </file>
 
-<file path=ppt/slides/slide12.xml><?xml version="1.0" encoding="utf-8"?>
+<file path=ppt/slides/slide13.xml><?xml version="1.0" encoding="utf-8"?>
 <p:sld xmlns:a="http://schemas.openxmlformats.org/drawingml/2006/main" xmlns:r="http://schemas.openxmlformats.org/officeDocument/2006/relationships" xmlns:p="http://schemas.openxmlformats.org/presentationml/2006/main">
   <p:cSld>
     <p:bg>
@@ -9186,7 +9358,7 @@
 </p:sld>
 </file>
 
-<file path=ppt/slides/slide13.xml><?xml version="1.0" encoding="utf-8"?>
+<file path=ppt/slides/slide14.xml><?xml version="1.0" encoding="utf-8"?>
 <p:sld xmlns:a="http://schemas.openxmlformats.org/drawingml/2006/main" xmlns:r="http://schemas.openxmlformats.org/officeDocument/2006/relationships" xmlns:p="http://schemas.openxmlformats.org/presentationml/2006/main">
   <p:cSld>
     <p:spTree>
@@ -9317,7 +9489,7 @@
 </p:sld>
 </file>
 
-<file path=ppt/slides/slide14.xml><?xml version="1.0" encoding="utf-8"?>
+<file path=ppt/slides/slide15.xml><?xml version="1.0" encoding="utf-8"?>
 <p:sld xmlns:a="http://schemas.openxmlformats.org/drawingml/2006/main" xmlns:r="http://schemas.openxmlformats.org/officeDocument/2006/relationships" xmlns:p="http://schemas.openxmlformats.org/presentationml/2006/main">
   <p:cSld>
     <p:bg>
@@ -9809,7 +9981,7 @@
 </p:sld>
 </file>
 
-<file path=ppt/slides/slide15.xml><?xml version="1.0" encoding="utf-8"?>
+<file path=ppt/slides/slide16.xml><?xml version="1.0" encoding="utf-8"?>
 <p:sld xmlns:a="http://schemas.openxmlformats.org/drawingml/2006/main" xmlns:r="http://schemas.openxmlformats.org/officeDocument/2006/relationships" xmlns:p="http://schemas.openxmlformats.org/presentationml/2006/main">
   <p:cSld>
     <p:bg>
@@ -10255,7 +10427,7 @@
 </p:sld>
 </file>
 
-<file path=ppt/slides/slide16.xml><?xml version="1.0" encoding="utf-8"?>
+<file path=ppt/slides/slide17.xml><?xml version="1.0" encoding="utf-8"?>
 <p:sld xmlns:a="http://schemas.openxmlformats.org/drawingml/2006/main" xmlns:r="http://schemas.openxmlformats.org/officeDocument/2006/relationships" xmlns:p="http://schemas.openxmlformats.org/presentationml/2006/main">
   <p:cSld>
     <p:bg>
@@ -10864,6 +11036,164 @@
 <file path=ppt/slides/slide3.xml><?xml version="1.0" encoding="utf-8"?>
 <p:sld xmlns:a="http://schemas.openxmlformats.org/drawingml/2006/main" xmlns:r="http://schemas.openxmlformats.org/officeDocument/2006/relationships" xmlns:p="http://schemas.openxmlformats.org/presentationml/2006/main">
   <p:cSld>
+    <p:spTree>
+      <p:nvGrpSpPr>
+        <p:cNvPr id="1" name=""/>
+        <p:cNvGrpSpPr/>
+        <p:nvPr/>
+      </p:nvGrpSpPr>
+      <p:grpSpPr>
+        <a:xfrm>
+          <a:off x="0" y="0"/>
+          <a:ext cx="0" cy="0"/>
+          <a:chOff x="0" y="0"/>
+          <a:chExt cx="0" cy="0"/>
+        </a:xfrm>
+      </p:grpSpPr>
+      <p:pic>
+        <p:nvPicPr>
+          <p:cNvPr id="7" name="Graphic 6">
+            <a:extLst>
+              <a:ext uri="{FF2B5EF4-FFF2-40B4-BE49-F238E27FC236}">
+                <a16:creationId xmlns:a16="http://schemas.microsoft.com/office/drawing/2014/main" id="{CC18DA7E-9FB8-4C9B-A87D-898E8D6893A8}"/>
+              </a:ext>
+            </a:extLst>
+          </p:cNvPr>
+          <p:cNvPicPr>
+            <a:picLocks noChangeAspect="1"/>
+          </p:cNvPicPr>
+          <p:nvPr/>
+        </p:nvPicPr>
+        <p:blipFill>
+          <a:blip r:embed="rId2">
+            <a:extLst>
+              <a:ext uri="{28A0092B-C50C-407E-A947-70E740481C1C}">
+                <a14:useLocalDpi xmlns:a14="http://schemas.microsoft.com/office/drawing/2010/main" val="0"/>
+              </a:ext>
+              <a:ext uri="{96DAC541-7B7A-43D3-8B79-37D633B846F1}">
+                <asvg:svgBlip xmlns:asvg="http://schemas.microsoft.com/office/drawing/2016/SVG/main" r:embed="rId3"/>
+              </a:ext>
+            </a:extLst>
+          </a:blip>
+          <a:stretch>
+            <a:fillRect/>
+          </a:stretch>
+        </p:blipFill>
+        <p:spPr>
+          <a:xfrm>
+            <a:off x="632619" y="365125"/>
+            <a:ext cx="1119981" cy="1119981"/>
+          </a:xfrm>
+          <a:prstGeom prst="rect">
+            <a:avLst/>
+          </a:prstGeom>
+        </p:spPr>
+      </p:pic>
+      <p:sp>
+        <p:nvSpPr>
+          <p:cNvPr id="2" name="Title 1">
+            <a:extLst>
+              <a:ext uri="{FF2B5EF4-FFF2-40B4-BE49-F238E27FC236}">
+                <a16:creationId xmlns:a16="http://schemas.microsoft.com/office/drawing/2014/main" id="{47181E45-C23A-4FDF-9335-310AC4537DAD}"/>
+              </a:ext>
+            </a:extLst>
+          </p:cNvPr>
+          <p:cNvSpPr>
+            <a:spLocks noGrp="1"/>
+          </p:cNvSpPr>
+          <p:nvPr>
+            <p:ph type="title"/>
+          </p:nvPr>
+        </p:nvSpPr>
+        <p:spPr>
+          <a:xfrm>
+            <a:off x="1913468" y="365125"/>
+            <a:ext cx="9440332" cy="1325563"/>
+          </a:xfrm>
+        </p:spPr>
+        <p:txBody>
+          <a:bodyPr>
+            <a:normAutofit/>
+          </a:bodyPr>
+          <a:lstStyle/>
+          <a:p>
+            <a:r>
+              <a:rPr lang="en-US" dirty="0"/>
+              <a:t>Agenda</a:t>
+            </a:r>
+          </a:p>
+        </p:txBody>
+      </p:sp>
+      <p:sp>
+        <p:nvSpPr>
+          <p:cNvPr id="3" name="Content Placeholder 2">
+            <a:extLst>
+              <a:ext uri="{FF2B5EF4-FFF2-40B4-BE49-F238E27FC236}">
+                <a16:creationId xmlns:a16="http://schemas.microsoft.com/office/drawing/2014/main" id="{88161BE5-48BE-423F-986A-2C585BFE6C45}"/>
+              </a:ext>
+            </a:extLst>
+          </p:cNvPr>
+          <p:cNvSpPr>
+            <a:spLocks noGrp="1"/>
+          </p:cNvSpPr>
+          <p:nvPr>
+            <p:ph idx="1"/>
+          </p:nvPr>
+        </p:nvSpPr>
+        <p:spPr>
+          <a:xfrm>
+            <a:off x="838200" y="1825625"/>
+            <a:ext cx="10515600" cy="4351338"/>
+          </a:xfrm>
+        </p:spPr>
+        <p:txBody>
+          <a:bodyPr>
+            <a:normAutofit/>
+          </a:bodyPr>
+          <a:lstStyle/>
+          <a:p>
+            <a:r>
+              <a:rPr lang="en-US" dirty="0"/>
+              <a:t>Discussion</a:t>
+            </a:r>
+          </a:p>
+          <a:p>
+            <a:r>
+              <a:rPr lang="en-US" dirty="0"/>
+              <a:t>Content</a:t>
+            </a:r>
+          </a:p>
+          <a:p>
+            <a:pPr lvl="1"/>
+            <a:r>
+              <a:rPr lang="en-US" dirty="0"/>
+              <a:t>Application Architectures</a:t>
+            </a:r>
+          </a:p>
+          <a:p>
+            <a:r>
+              <a:rPr lang="en-US" dirty="0"/>
+              <a:t>Wrap-Up</a:t>
+            </a:r>
+          </a:p>
+        </p:txBody>
+      </p:sp>
+    </p:spTree>
+    <p:extLst>
+      <p:ext uri="{BB962C8B-B14F-4D97-AF65-F5344CB8AC3E}">
+        <p14:creationId xmlns:p14="http://schemas.microsoft.com/office/powerpoint/2010/main" val="593817516"/>
+      </p:ext>
+    </p:extLst>
+  </p:cSld>
+  <p:clrMapOvr>
+    <a:masterClrMapping/>
+  </p:clrMapOvr>
+</p:sld>
+</file>
+
+<file path=ppt/slides/slide4.xml><?xml version="1.0" encoding="utf-8"?>
+<p:sld xmlns:a="http://schemas.openxmlformats.org/drawingml/2006/main" xmlns:r="http://schemas.openxmlformats.org/officeDocument/2006/relationships" xmlns:p="http://schemas.openxmlformats.org/presentationml/2006/main">
+  <p:cSld>
     <p:bg>
       <p:bgPr>
         <a:solidFill>
@@ -11084,7 +11414,7 @@
 </p:sld>
 </file>
 
-<file path=ppt/slides/slide4.xml><?xml version="1.0" encoding="utf-8"?>
+<file path=ppt/slides/slide5.xml><?xml version="1.0" encoding="utf-8"?>
 <p:sld xmlns:a="http://schemas.openxmlformats.org/drawingml/2006/main" xmlns:r="http://schemas.openxmlformats.org/officeDocument/2006/relationships" xmlns:p="http://schemas.openxmlformats.org/presentationml/2006/main">
   <p:cSld>
     <p:bg>
@@ -11196,7 +11526,7 @@
 </p:sld>
 </file>
 
-<file path=ppt/slides/slide5.xml><?xml version="1.0" encoding="utf-8"?>
+<file path=ppt/slides/slide6.xml><?xml version="1.0" encoding="utf-8"?>
 <p:sld xmlns:a="http://schemas.openxmlformats.org/drawingml/2006/main" xmlns:r="http://schemas.openxmlformats.org/officeDocument/2006/relationships" xmlns:p="http://schemas.openxmlformats.org/presentationml/2006/main">
   <p:cSld>
     <p:bg>
@@ -11894,7 +12224,7 @@
 </p:sld>
 </file>
 
-<file path=ppt/slides/slide6.xml><?xml version="1.0" encoding="utf-8"?>
+<file path=ppt/slides/slide7.xml><?xml version="1.0" encoding="utf-8"?>
 <p:sld xmlns:a="http://schemas.openxmlformats.org/drawingml/2006/main" xmlns:r="http://schemas.openxmlformats.org/officeDocument/2006/relationships" xmlns:p="http://schemas.openxmlformats.org/presentationml/2006/main">
   <p:cSld>
     <p:spTree>
@@ -11973,7 +12303,7 @@
 </p:sld>
 </file>
 
-<file path=ppt/slides/slide7.xml><?xml version="1.0" encoding="utf-8"?>
+<file path=ppt/slides/slide8.xml><?xml version="1.0" encoding="utf-8"?>
 <p:sld xmlns:a="http://schemas.openxmlformats.org/drawingml/2006/main" xmlns:r="http://schemas.openxmlformats.org/officeDocument/2006/relationships" xmlns:p="http://schemas.openxmlformats.org/presentationml/2006/main">
   <p:cSld>
     <p:spTree>
@@ -12156,177 +12486,6 @@
 </p:sld>
 </file>
 
-<file path=ppt/slides/slide8.xml><?xml version="1.0" encoding="utf-8"?>
-<p:sld xmlns:a="http://schemas.openxmlformats.org/drawingml/2006/main" xmlns:r="http://schemas.openxmlformats.org/officeDocument/2006/relationships" xmlns:p="http://schemas.openxmlformats.org/presentationml/2006/main">
-  <p:cSld>
-    <p:spTree>
-      <p:nvGrpSpPr>
-        <p:cNvPr id="1" name=""/>
-        <p:cNvGrpSpPr/>
-        <p:nvPr/>
-      </p:nvGrpSpPr>
-      <p:grpSpPr>
-        <a:xfrm>
-          <a:off x="0" y="0"/>
-          <a:ext cx="0" cy="0"/>
-          <a:chOff x="0" y="0"/>
-          <a:chExt cx="0" cy="0"/>
-        </a:xfrm>
-      </p:grpSpPr>
-      <p:sp>
-        <p:nvSpPr>
-          <p:cNvPr id="9" name="Title 8">
-            <a:extLst>
-              <a:ext uri="{FF2B5EF4-FFF2-40B4-BE49-F238E27FC236}">
-                <a16:creationId xmlns:a16="http://schemas.microsoft.com/office/drawing/2014/main" id="{2E3877A3-30C9-46AB-89A0-0E392B51784B}"/>
-              </a:ext>
-            </a:extLst>
-          </p:cNvPr>
-          <p:cNvSpPr>
-            <a:spLocks noGrp="1"/>
-          </p:cNvSpPr>
-          <p:nvPr>
-            <p:ph type="title"/>
-          </p:nvPr>
-        </p:nvSpPr>
-        <p:spPr/>
-        <p:txBody>
-          <a:bodyPr>
-            <a:normAutofit/>
-          </a:bodyPr>
-          <a:lstStyle/>
-          <a:p>
-            <a:r>
-              <a:rPr lang="en-US" dirty="0"/>
-              <a:t>Components of An Application</a:t>
-            </a:r>
-          </a:p>
-        </p:txBody>
-      </p:sp>
-      <p:graphicFrame>
-        <p:nvGraphicFramePr>
-          <p:cNvPr id="12" name="Content Placeholder 9">
-            <a:extLst>
-              <a:ext uri="{FF2B5EF4-FFF2-40B4-BE49-F238E27FC236}">
-                <a16:creationId xmlns:a16="http://schemas.microsoft.com/office/drawing/2014/main" id="{6061E8B3-5DD2-4914-91C0-C3F97E119A7A}"/>
-              </a:ext>
-            </a:extLst>
-          </p:cNvPr>
-          <p:cNvGraphicFramePr>
-            <a:graphicFrameLocks noGrp="1"/>
-          </p:cNvGraphicFramePr>
-          <p:nvPr>
-            <p:ph idx="1"/>
-            <p:extLst>
-              <p:ext uri="{D42A27DB-BD31-4B8C-83A1-F6EECF244321}">
-                <p14:modId xmlns:p14="http://schemas.microsoft.com/office/powerpoint/2010/main" val="3926102518"/>
-              </p:ext>
-            </p:extLst>
-          </p:nvPr>
-        </p:nvGraphicFramePr>
-        <p:xfrm>
-          <a:off x="838200" y="1825625"/>
-          <a:ext cx="10515600" cy="4351338"/>
-        </p:xfrm>
-        <a:graphic>
-          <a:graphicData uri="http://schemas.openxmlformats.org/drawingml/2006/diagram">
-            <dgm:relIds xmlns:dgm="http://schemas.openxmlformats.org/drawingml/2006/diagram" xmlns:r="http://schemas.openxmlformats.org/officeDocument/2006/relationships" r:dm="rId3" r:lo="rId4" r:qs="rId5" r:cs="rId6"/>
-          </a:graphicData>
-        </a:graphic>
-      </p:graphicFrame>
-      <p:sp>
-        <p:nvSpPr>
-          <p:cNvPr id="6" name="Footer Placeholder 5">
-            <a:extLst>
-              <a:ext uri="{FF2B5EF4-FFF2-40B4-BE49-F238E27FC236}">
-                <a16:creationId xmlns:a16="http://schemas.microsoft.com/office/drawing/2014/main" id="{7D77497D-CF2F-4174-96E6-6561B4A875A0}"/>
-              </a:ext>
-            </a:extLst>
-          </p:cNvPr>
-          <p:cNvSpPr>
-            <a:spLocks noGrp="1"/>
-          </p:cNvSpPr>
-          <p:nvPr>
-            <p:ph type="ftr" sz="quarter" idx="11"/>
-          </p:nvPr>
-        </p:nvSpPr>
-        <p:spPr/>
-        <p:txBody>
-          <a:bodyPr>
-            <a:normAutofit/>
-          </a:bodyPr>
-          <a:lstStyle/>
-          <a:p>
-            <a:endParaRPr lang="en-US">
-              <a:solidFill>
-                <a:srgbClr val="FFFFFF"/>
-              </a:solidFill>
-            </a:endParaRPr>
-          </a:p>
-        </p:txBody>
-      </p:sp>
-      <p:sp>
-        <p:nvSpPr>
-          <p:cNvPr id="5" name="Slide Number Placeholder 4">
-            <a:extLst>
-              <a:ext uri="{FF2B5EF4-FFF2-40B4-BE49-F238E27FC236}">
-                <a16:creationId xmlns:a16="http://schemas.microsoft.com/office/drawing/2014/main" id="{05865EF1-885D-4A31-B9FB-273BE5FAB564}"/>
-              </a:ext>
-            </a:extLst>
-          </p:cNvPr>
-          <p:cNvSpPr>
-            <a:spLocks noGrp="1"/>
-          </p:cNvSpPr>
-          <p:nvPr>
-            <p:ph type="sldNum" sz="quarter" idx="12"/>
-          </p:nvPr>
-        </p:nvSpPr>
-        <p:spPr/>
-        <p:txBody>
-          <a:bodyPr>
-            <a:normAutofit/>
-          </a:bodyPr>
-          <a:lstStyle/>
-          <a:p>
-            <a:pPr>
-              <a:spcAft>
-                <a:spcPts val="600"/>
-              </a:spcAft>
-            </a:pPr>
-            <a:fld id="{56FBB80D-BC95-41F9-A723-7C4BDED58279}" type="slidenum">
-              <a:rPr lang="en-US">
-                <a:solidFill>
-                  <a:srgbClr val="FFFFFF"/>
-                </a:solidFill>
-              </a:rPr>
-              <a:pPr>
-                <a:spcAft>
-                  <a:spcPts val="600"/>
-                </a:spcAft>
-              </a:pPr>
-              <a:t>8</a:t>
-            </a:fld>
-            <a:endParaRPr lang="en-US">
-              <a:solidFill>
-                <a:srgbClr val="FFFFFF"/>
-              </a:solidFill>
-            </a:endParaRPr>
-          </a:p>
-        </p:txBody>
-      </p:sp>
-    </p:spTree>
-    <p:extLst>
-      <p:ext uri="{BB962C8B-B14F-4D97-AF65-F5344CB8AC3E}">
-        <p14:creationId xmlns:p14="http://schemas.microsoft.com/office/powerpoint/2010/main" val="1603808011"/>
-      </p:ext>
-    </p:extLst>
-  </p:cSld>
-  <p:clrMapOvr>
-    <a:masterClrMapping/>
-  </p:clrMapOvr>
-</p:sld>
-</file>
-
 <file path=ppt/slides/slide9.xml><?xml version="1.0" encoding="utf-8"?>
 <p:sld xmlns:a="http://schemas.openxmlformats.org/drawingml/2006/main" xmlns:r="http://schemas.openxmlformats.org/officeDocument/2006/relationships" xmlns:p="http://schemas.openxmlformats.org/presentationml/2006/main">
   <p:cSld>
@@ -12346,7 +12505,13 @@
       </p:grpSpPr>
       <p:sp>
         <p:nvSpPr>
-          <p:cNvPr id="2" name="Title 1"/>
+          <p:cNvPr id="9" name="Title 8">
+            <a:extLst>
+              <a:ext uri="{FF2B5EF4-FFF2-40B4-BE49-F238E27FC236}">
+                <a16:creationId xmlns:a16="http://schemas.microsoft.com/office/drawing/2014/main" id="{2E3877A3-30C9-46AB-89A0-0E392B51784B}"/>
+              </a:ext>
+            </a:extLst>
+          </p:cNvPr>
           <p:cNvSpPr>
             <a:spLocks noGrp="1"/>
           </p:cNvSpPr>
@@ -12354,39 +12519,7 @@
             <p:ph type="title"/>
           </p:nvPr>
         </p:nvSpPr>
-        <p:spPr>
-          <a:xfrm>
-            <a:off x="452387" y="365125"/>
-            <a:ext cx="10901413" cy="1325563"/>
-          </a:xfrm>
-        </p:spPr>
-        <p:txBody>
-          <a:bodyPr/>
-          <a:lstStyle/>
-          <a:p>
-            <a:r>
-              <a:rPr lang="en-US" dirty="0"/>
-              <a:t>Check:</a:t>
-            </a:r>
-          </a:p>
-        </p:txBody>
-      </p:sp>
-      <p:sp>
-        <p:nvSpPr>
-          <p:cNvPr id="3" name="Content Placeholder 2"/>
-          <p:cNvSpPr>
-            <a:spLocks noGrp="1"/>
-          </p:cNvSpPr>
-          <p:nvPr>
-            <p:ph idx="1"/>
-          </p:nvPr>
-        </p:nvSpPr>
-        <p:spPr>
-          <a:xfrm>
-            <a:off x="308008" y="1825625"/>
-            <a:ext cx="2849077" cy="4351338"/>
-          </a:xfrm>
-        </p:spPr>
+        <p:spPr/>
         <p:txBody>
           <a:bodyPr>
             <a:normAutofit/>
@@ -12394,100 +12527,127 @@
           <a:lstStyle/>
           <a:p>
             <a:r>
-              <a:rPr lang="en-US" sz="2800" dirty="0"/>
-              <a:t>Example </a:t>
-            </a:r>
-            <a:r>
-              <a:rPr lang="en-US" sz="2800" dirty="0">
-                <a:sym typeface="Wingdings" panose="05000000000000000000" pitchFamily="2" charset="2"/>
-              </a:rPr>
-              <a:t></a:t>
-            </a:r>
-            <a:endParaRPr lang="en-US" sz="2800" dirty="0"/>
-          </a:p>
-          <a:p>
-            <a:r>
-              <a:rPr lang="en-US" sz="2800" dirty="0"/>
-              <a:t>Code:</a:t>
-            </a:r>
-          </a:p>
-          <a:p>
-            <a:pPr lvl="1"/>
-            <a:r>
-              <a:rPr lang="en-US" sz="2400" dirty="0"/>
-              <a:t>Presentation?</a:t>
-            </a:r>
-          </a:p>
-          <a:p>
-            <a:pPr lvl="1"/>
-            <a:r>
-              <a:rPr lang="en-US" sz="2400" dirty="0"/>
-              <a:t>Business</a:t>
-            </a:r>
-            <a:br>
-              <a:rPr lang="en-US" sz="2400" dirty="0"/>
-            </a:br>
-            <a:r>
-              <a:rPr lang="en-US" sz="2400" dirty="0"/>
-              <a:t>Logic ?</a:t>
-            </a:r>
-          </a:p>
-          <a:p>
-            <a:pPr lvl="1"/>
-            <a:r>
-              <a:rPr lang="en-US" sz="2400" dirty="0"/>
-              <a:t>Data Access? </a:t>
-            </a:r>
-          </a:p>
-          <a:p>
-            <a:r>
-              <a:rPr lang="en-US" sz="2800" dirty="0"/>
-              <a:t>Data</a:t>
-            </a:r>
-          </a:p>
-          <a:p>
-            <a:pPr lvl="1"/>
-            <a:r>
-              <a:rPr lang="en-US" sz="2400" dirty="0"/>
-              <a:t>Business Data ?</a:t>
-            </a:r>
-          </a:p>
-        </p:txBody>
-      </p:sp>
-      <p:pic>
-        <p:nvPicPr>
-          <p:cNvPr id="10" name="Picture 9"/>
-          <p:cNvPicPr>
-            <a:picLocks noChangeAspect="1"/>
-          </p:cNvPicPr>
-          <p:nvPr/>
-        </p:nvPicPr>
-        <p:blipFill>
-          <a:blip r:embed="rId2">
+              <a:rPr lang="en-US" dirty="0"/>
+              <a:t>Components of An Application</a:t>
+            </a:r>
+          </a:p>
+        </p:txBody>
+      </p:sp>
+      <p:graphicFrame>
+        <p:nvGraphicFramePr>
+          <p:cNvPr id="12" name="Content Placeholder 9">
             <a:extLst>
-              <a:ext uri="{28A0092B-C50C-407E-A947-70E740481C1C}">
-                <a14:useLocalDpi xmlns:a14="http://schemas.microsoft.com/office/drawing/2010/main" val="0"/>
+              <a:ext uri="{FF2B5EF4-FFF2-40B4-BE49-F238E27FC236}">
+                <a16:creationId xmlns:a16="http://schemas.microsoft.com/office/drawing/2014/main" id="{6061E8B3-5DD2-4914-91C0-C3F97E119A7A}"/>
               </a:ext>
             </a:extLst>
-          </a:blip>
-          <a:stretch>
-            <a:fillRect/>
-          </a:stretch>
-        </p:blipFill>
-        <p:spPr>
-          <a:xfrm>
-            <a:off x="3227673" y="109487"/>
-            <a:ext cx="8824761" cy="6618571"/>
-          </a:xfrm>
-          <a:prstGeom prst="rect">
-            <a:avLst/>
-          </a:prstGeom>
-        </p:spPr>
-      </p:pic>
+          </p:cNvPr>
+          <p:cNvGraphicFramePr>
+            <a:graphicFrameLocks noGrp="1"/>
+          </p:cNvGraphicFramePr>
+          <p:nvPr>
+            <p:ph idx="1"/>
+            <p:extLst>
+              <p:ext uri="{D42A27DB-BD31-4B8C-83A1-F6EECF244321}">
+                <p14:modId xmlns:p14="http://schemas.microsoft.com/office/powerpoint/2010/main" val="3926102518"/>
+              </p:ext>
+            </p:extLst>
+          </p:nvPr>
+        </p:nvGraphicFramePr>
+        <p:xfrm>
+          <a:off x="838200" y="1825625"/>
+          <a:ext cx="10515600" cy="4351338"/>
+        </p:xfrm>
+        <a:graphic>
+          <a:graphicData uri="http://schemas.openxmlformats.org/drawingml/2006/diagram">
+            <dgm:relIds xmlns:dgm="http://schemas.openxmlformats.org/drawingml/2006/diagram" xmlns:r="http://schemas.openxmlformats.org/officeDocument/2006/relationships" r:dm="rId3" r:lo="rId4" r:qs="rId5" r:cs="rId6"/>
+          </a:graphicData>
+        </a:graphic>
+      </p:graphicFrame>
+      <p:sp>
+        <p:nvSpPr>
+          <p:cNvPr id="6" name="Footer Placeholder 5">
+            <a:extLst>
+              <a:ext uri="{FF2B5EF4-FFF2-40B4-BE49-F238E27FC236}">
+                <a16:creationId xmlns:a16="http://schemas.microsoft.com/office/drawing/2014/main" id="{7D77497D-CF2F-4174-96E6-6561B4A875A0}"/>
+              </a:ext>
+            </a:extLst>
+          </p:cNvPr>
+          <p:cNvSpPr>
+            <a:spLocks noGrp="1"/>
+          </p:cNvSpPr>
+          <p:nvPr>
+            <p:ph type="ftr" sz="quarter" idx="11"/>
+          </p:nvPr>
+        </p:nvSpPr>
+        <p:spPr/>
+        <p:txBody>
+          <a:bodyPr>
+            <a:normAutofit/>
+          </a:bodyPr>
+          <a:lstStyle/>
+          <a:p>
+            <a:endParaRPr lang="en-US">
+              <a:solidFill>
+                <a:srgbClr val="FFFFFF"/>
+              </a:solidFill>
+            </a:endParaRPr>
+          </a:p>
+        </p:txBody>
+      </p:sp>
+      <p:sp>
+        <p:nvSpPr>
+          <p:cNvPr id="5" name="Slide Number Placeholder 4">
+            <a:extLst>
+              <a:ext uri="{FF2B5EF4-FFF2-40B4-BE49-F238E27FC236}">
+                <a16:creationId xmlns:a16="http://schemas.microsoft.com/office/drawing/2014/main" id="{05865EF1-885D-4A31-B9FB-273BE5FAB564}"/>
+              </a:ext>
+            </a:extLst>
+          </p:cNvPr>
+          <p:cNvSpPr>
+            <a:spLocks noGrp="1"/>
+          </p:cNvSpPr>
+          <p:nvPr>
+            <p:ph type="sldNum" sz="quarter" idx="12"/>
+          </p:nvPr>
+        </p:nvSpPr>
+        <p:spPr/>
+        <p:txBody>
+          <a:bodyPr>
+            <a:normAutofit/>
+          </a:bodyPr>
+          <a:lstStyle/>
+          <a:p>
+            <a:pPr>
+              <a:spcAft>
+                <a:spcPts val="600"/>
+              </a:spcAft>
+            </a:pPr>
+            <a:fld id="{56FBB80D-BC95-41F9-A723-7C4BDED58279}" type="slidenum">
+              <a:rPr lang="en-US">
+                <a:solidFill>
+                  <a:srgbClr val="FFFFFF"/>
+                </a:solidFill>
+              </a:rPr>
+              <a:pPr>
+                <a:spcAft>
+                  <a:spcPts val="600"/>
+                </a:spcAft>
+              </a:pPr>
+              <a:t>9</a:t>
+            </a:fld>
+            <a:endParaRPr lang="en-US">
+              <a:solidFill>
+                <a:srgbClr val="FFFFFF"/>
+              </a:solidFill>
+            </a:endParaRPr>
+          </a:p>
+        </p:txBody>
+      </p:sp>
     </p:spTree>
     <p:extLst>
       <p:ext uri="{BB962C8B-B14F-4D97-AF65-F5344CB8AC3E}">
-        <p14:creationId xmlns:p14="http://schemas.microsoft.com/office/powerpoint/2010/main" val="3425537333"/>
+        <p14:creationId xmlns:p14="http://schemas.microsoft.com/office/powerpoint/2010/main" val="1603808011"/>
       </p:ext>
     </p:extLst>
   </p:cSld>

--- a/content/09-services-application-architectures.pptx
+++ b/content/09-services-application-architectures.pptx
@@ -5,26 +5,25 @@
     <p:sldMasterId id="2147483696" r:id="rId1"/>
   </p:sldMasterIdLst>
   <p:notesMasterIdLst>
-    <p:notesMasterId r:id="rId19"/>
+    <p:notesMasterId r:id="rId18"/>
   </p:notesMasterIdLst>
   <p:sldIdLst>
     <p:sldId id="297" r:id="rId2"/>
     <p:sldId id="289" r:id="rId3"/>
-    <p:sldId id="342" r:id="rId4"/>
-    <p:sldId id="258" r:id="rId5"/>
-    <p:sldId id="298" r:id="rId6"/>
-    <p:sldId id="337" r:id="rId7"/>
-    <p:sldId id="338" r:id="rId8"/>
-    <p:sldId id="340" r:id="rId9"/>
-    <p:sldId id="305" r:id="rId10"/>
-    <p:sldId id="303" r:id="rId11"/>
-    <p:sldId id="301" r:id="rId12"/>
-    <p:sldId id="294" r:id="rId13"/>
-    <p:sldId id="291" r:id="rId14"/>
-    <p:sldId id="341" r:id="rId15"/>
-    <p:sldId id="292" r:id="rId16"/>
-    <p:sldId id="300" r:id="rId17"/>
-    <p:sldId id="283" r:id="rId18"/>
+    <p:sldId id="258" r:id="rId4"/>
+    <p:sldId id="298" r:id="rId5"/>
+    <p:sldId id="337" r:id="rId6"/>
+    <p:sldId id="338" r:id="rId7"/>
+    <p:sldId id="340" r:id="rId8"/>
+    <p:sldId id="305" r:id="rId9"/>
+    <p:sldId id="303" r:id="rId10"/>
+    <p:sldId id="301" r:id="rId11"/>
+    <p:sldId id="294" r:id="rId12"/>
+    <p:sldId id="291" r:id="rId13"/>
+    <p:sldId id="341" r:id="rId14"/>
+    <p:sldId id="292" r:id="rId15"/>
+    <p:sldId id="300" r:id="rId16"/>
+    <p:sldId id="283" r:id="rId17"/>
   </p:sldIdLst>
   <p:sldSz cx="12192000" cy="6858000"/>
   <p:notesSz cx="6858000" cy="9144000"/>
@@ -130,7 +129,6 @@
           <p14:sldIdLst>
             <p14:sldId id="297"/>
             <p14:sldId id="289"/>
-            <p14:sldId id="342"/>
             <p14:sldId id="258"/>
             <p14:sldId id="298"/>
           </p14:sldIdLst>
@@ -1270,6 +1268,13 @@
         </dgm:presLayoutVars>
       </dgm:prSet>
       <dgm:spPr/>
+      <dgm:t>
+        <a:bodyPr/>
+        <a:lstStyle/>
+        <a:p>
+          <a:endParaRPr lang="en-US"/>
+        </a:p>
+      </dgm:t>
     </dgm:pt>
     <dgm:pt modelId="{EEF4FE9D-B14C-45ED-ABA3-FD3186C45BD5}" type="pres">
       <dgm:prSet presAssocID="{BDDDF605-9CCE-4558-95B0-1E6CA781A5DA}" presName="compNode" presStyleCnt="0"/>
@@ -1285,7 +1290,7 @@
                 <a14:useLocalDpi xmlns:a14="http://schemas.microsoft.com/office/drawing/2010/main" val="0"/>
               </a:ext>
               <a:ext uri="{96DAC541-7B7A-43D3-8B79-37D633B846F1}">
-                <asvg:svgBlip xmlns:asvg="http://schemas.microsoft.com/office/drawing/2016/SVG/main" r:embed="rId2"/>
+                <asvg:svgBlip xmlns:asvg="http://schemas.microsoft.com/office/drawing/2016/SVG/main" xmlns="" r:embed="rId2"/>
               </a:ext>
             </a:extLst>
           </a:blip>
@@ -1298,6 +1303,13 @@
           <a:noFill/>
         </a:ln>
       </dgm:spPr>
+      <dgm:t>
+        <a:bodyPr/>
+        <a:lstStyle/>
+        <a:p>
+          <a:endParaRPr lang="en-US"/>
+        </a:p>
+      </dgm:t>
       <dgm:extLst>
         <a:ext uri="{E40237B7-FDA0-4F09-8148-C483321AD2D9}">
           <dgm14:cNvPr xmlns:dgm14="http://schemas.microsoft.com/office/drawing/2010/diagram" id="0" name="" descr="Bar chart"/>
@@ -1316,6 +1328,13 @@
         </dgm:presLayoutVars>
       </dgm:prSet>
       <dgm:spPr/>
+      <dgm:t>
+        <a:bodyPr/>
+        <a:lstStyle/>
+        <a:p>
+          <a:endParaRPr lang="en-US"/>
+        </a:p>
+      </dgm:t>
     </dgm:pt>
     <dgm:pt modelId="{B2201FA5-FAB8-4B66-B388-C89FAC42B3AA}" type="pres">
       <dgm:prSet presAssocID="{BDDDF605-9CCE-4558-95B0-1E6CA781A5DA}" presName="txSpace" presStyleCnt="0"/>
@@ -1326,6 +1345,13 @@
         <dgm:presLayoutVars/>
       </dgm:prSet>
       <dgm:spPr/>
+      <dgm:t>
+        <a:bodyPr/>
+        <a:lstStyle/>
+        <a:p>
+          <a:endParaRPr lang="en-US"/>
+        </a:p>
+      </dgm:t>
     </dgm:pt>
     <dgm:pt modelId="{FA954148-FE54-4E40-BB87-154B788DCBA3}" type="pres">
       <dgm:prSet presAssocID="{0F73CBCA-8EA2-46F6-9860-87CAD053CB89}" presName="sibTrans" presStyleCnt="0"/>
@@ -1345,7 +1371,7 @@
                 <a14:useLocalDpi xmlns:a14="http://schemas.microsoft.com/office/drawing/2010/main" val="0"/>
               </a:ext>
               <a:ext uri="{96DAC541-7B7A-43D3-8B79-37D633B846F1}">
-                <asvg:svgBlip xmlns:asvg="http://schemas.microsoft.com/office/drawing/2016/SVG/main" r:embed="rId4"/>
+                <asvg:svgBlip xmlns:asvg="http://schemas.microsoft.com/office/drawing/2016/SVG/main" xmlns="" r:embed="rId4"/>
               </a:ext>
             </a:extLst>
           </a:blip>
@@ -1358,6 +1384,13 @@
           <a:noFill/>
         </a:ln>
       </dgm:spPr>
+      <dgm:t>
+        <a:bodyPr/>
+        <a:lstStyle/>
+        <a:p>
+          <a:endParaRPr lang="en-US"/>
+        </a:p>
+      </dgm:t>
       <dgm:extLst>
         <a:ext uri="{E40237B7-FDA0-4F09-8148-C483321AD2D9}">
           <dgm14:cNvPr xmlns:dgm14="http://schemas.microsoft.com/office/drawing/2010/diagram" id="0" name="" descr="Playbook"/>
@@ -1376,6 +1409,13 @@
         </dgm:presLayoutVars>
       </dgm:prSet>
       <dgm:spPr/>
+      <dgm:t>
+        <a:bodyPr/>
+        <a:lstStyle/>
+        <a:p>
+          <a:endParaRPr lang="en-US"/>
+        </a:p>
+      </dgm:t>
     </dgm:pt>
     <dgm:pt modelId="{00BC935C-51CF-467E-8AC9-7B0F79D05556}" type="pres">
       <dgm:prSet presAssocID="{6ECF9EED-AEFA-41A9-9EFB-B2E867D3E149}" presName="txSpace" presStyleCnt="0"/>
@@ -1386,6 +1426,13 @@
         <dgm:presLayoutVars/>
       </dgm:prSet>
       <dgm:spPr/>
+      <dgm:t>
+        <a:bodyPr/>
+        <a:lstStyle/>
+        <a:p>
+          <a:endParaRPr lang="en-US"/>
+        </a:p>
+      </dgm:t>
     </dgm:pt>
     <dgm:pt modelId="{3BAD62CC-3C03-47DA-8D9B-1491589F490C}" type="pres">
       <dgm:prSet presAssocID="{CA48365F-A0C4-4697-A7C2-3003B4DC1396}" presName="sibTrans" presStyleCnt="0"/>
@@ -1405,7 +1452,7 @@
                 <a14:useLocalDpi xmlns:a14="http://schemas.microsoft.com/office/drawing/2010/main" val="0"/>
               </a:ext>
               <a:ext uri="{96DAC541-7B7A-43D3-8B79-37D633B846F1}">
-                <asvg:svgBlip xmlns:asvg="http://schemas.microsoft.com/office/drawing/2016/SVG/main" r:embed="rId6"/>
+                <asvg:svgBlip xmlns:asvg="http://schemas.microsoft.com/office/drawing/2016/SVG/main" xmlns="" r:embed="rId6"/>
               </a:ext>
             </a:extLst>
           </a:blip>
@@ -1418,6 +1465,13 @@
           <a:noFill/>
         </a:ln>
       </dgm:spPr>
+      <dgm:t>
+        <a:bodyPr/>
+        <a:lstStyle/>
+        <a:p>
+          <a:endParaRPr lang="en-US"/>
+        </a:p>
+      </dgm:t>
       <dgm:extLst>
         <a:ext uri="{E40237B7-FDA0-4F09-8148-C483321AD2D9}">
           <dgm14:cNvPr xmlns:dgm14="http://schemas.microsoft.com/office/drawing/2010/diagram" id="0" name="" descr="Download from cloud"/>
@@ -1436,6 +1490,13 @@
         </dgm:presLayoutVars>
       </dgm:prSet>
       <dgm:spPr/>
+      <dgm:t>
+        <a:bodyPr/>
+        <a:lstStyle/>
+        <a:p>
+          <a:endParaRPr lang="en-US"/>
+        </a:p>
+      </dgm:t>
     </dgm:pt>
     <dgm:pt modelId="{61210853-DB77-417F-9EEE-5832C0D09608}" type="pres">
       <dgm:prSet presAssocID="{B74E439E-678C-4AFC-9A41-8BB3AE3ACFAC}" presName="txSpace" presStyleCnt="0"/>
@@ -1446,6 +1507,13 @@
         <dgm:presLayoutVars/>
       </dgm:prSet>
       <dgm:spPr/>
+      <dgm:t>
+        <a:bodyPr/>
+        <a:lstStyle/>
+        <a:p>
+          <a:endParaRPr lang="en-US"/>
+        </a:p>
+      </dgm:t>
     </dgm:pt>
     <dgm:pt modelId="{EBE9224F-BD69-4130-A069-9E5D5690E08B}" type="pres">
       <dgm:prSet presAssocID="{EE05C962-3E73-496C-8FD5-A1B57941A5A7}" presName="sibTrans" presStyleCnt="0"/>
@@ -1465,7 +1533,7 @@
                 <a14:useLocalDpi xmlns:a14="http://schemas.microsoft.com/office/drawing/2010/main" val="0"/>
               </a:ext>
               <a:ext uri="{96DAC541-7B7A-43D3-8B79-37D633B846F1}">
-                <asvg:svgBlip xmlns:asvg="http://schemas.microsoft.com/office/drawing/2016/SVG/main" r:embed="rId8"/>
+                <asvg:svgBlip xmlns:asvg="http://schemas.microsoft.com/office/drawing/2016/SVG/main" xmlns="" r:embed="rId8"/>
               </a:ext>
             </a:extLst>
           </a:blip>
@@ -1477,6 +1545,13 @@
           <a:noFill/>
         </a:ln>
       </dgm:spPr>
+      <dgm:t>
+        <a:bodyPr/>
+        <a:lstStyle/>
+        <a:p>
+          <a:endParaRPr lang="en-US"/>
+        </a:p>
+      </dgm:t>
       <dgm:extLst>
         <a:ext uri="{E40237B7-FDA0-4F09-8148-C483321AD2D9}">
           <dgm14:cNvPr xmlns:dgm14="http://schemas.microsoft.com/office/drawing/2010/diagram" id="0" name="" descr="Database"/>
@@ -1495,6 +1570,13 @@
         </dgm:presLayoutVars>
       </dgm:prSet>
       <dgm:spPr/>
+      <dgm:t>
+        <a:bodyPr/>
+        <a:lstStyle/>
+        <a:p>
+          <a:endParaRPr lang="en-US"/>
+        </a:p>
+      </dgm:t>
     </dgm:pt>
     <dgm:pt modelId="{75E4D726-F214-4D0B-997A-7E0D313EC4E6}" type="pres">
       <dgm:prSet presAssocID="{33D5E0F8-97B8-444F-935F-4964845ADC22}" presName="txSpace" presStyleCnt="0"/>
@@ -1505,26 +1587,33 @@
         <dgm:presLayoutVars/>
       </dgm:prSet>
       <dgm:spPr/>
+      <dgm:t>
+        <a:bodyPr/>
+        <a:lstStyle/>
+        <a:p>
+          <a:endParaRPr lang="en-US"/>
+        </a:p>
+      </dgm:t>
     </dgm:pt>
   </dgm:ptLst>
   <dgm:cxnLst>
-    <dgm:cxn modelId="{0984060D-8682-46C5-BCAF-3DCCDE28DEEA}" srcId="{33D5E0F8-97B8-444F-935F-4964845ADC22}" destId="{EEEF2013-7C37-4EF6-8971-F14EE2A66F80}" srcOrd="0" destOrd="0" parTransId="{890E1AAF-DE96-45A9-AD1D-E894F4A0B67B}" sibTransId="{7CBB4771-325C-411B-A4F9-3E995D0BC3CE}"/>
+    <dgm:cxn modelId="{6F20B0AF-55C2-48AB-A7EB-5F9BA0D363F3}" srcId="{99A570BA-37D5-46E4-9712-2CB1F9FA92B9}" destId="{33D5E0F8-97B8-444F-935F-4964845ADC22}" srcOrd="3" destOrd="0" parTransId="{2F13206A-CB8C-4D32-8D7B-0C6AB04069F8}" sibTransId="{D1A7E7D0-D300-447A-ACED-1A97A39C97BF}"/>
+    <dgm:cxn modelId="{0B0049CD-9274-4C65-BE0E-BCA346E430BF}" type="presOf" srcId="{B74E439E-678C-4AFC-9A41-8BB3AE3ACFAC}" destId="{D54565DD-35FC-40EF-BB66-F3642954E07C}" srcOrd="0" destOrd="0" presId="urn:microsoft.com/office/officeart/2018/5/layout/CenteredIconLabelDescriptionList"/>
+    <dgm:cxn modelId="{2F440EAB-FD27-4E6C-B46E-CBC9B3BC4093}" srcId="{BDDDF605-9CCE-4558-95B0-1E6CA781A5DA}" destId="{32E23E9B-0621-472D-A7D0-14691E07DE6C}" srcOrd="0" destOrd="0" parTransId="{B52E9A54-7ED0-42A3-9071-CB1D21F06F82}" sibTransId="{EAC156F5-E0BF-4CA3-9201-97218E9ADEAB}"/>
+    <dgm:cxn modelId="{BE959B3A-6094-4A6F-BE1B-311DED1C220B}" srcId="{6ECF9EED-AEFA-41A9-9EFB-B2E867D3E149}" destId="{D736043E-A349-4D58-937F-E739BBCF941F}" srcOrd="0" destOrd="0" parTransId="{7DDFF056-93AC-481C-BB2A-4ED7141C82B6}" sibTransId="{66900224-F235-42AF-B1A4-717215BBDB41}"/>
+    <dgm:cxn modelId="{E3647EE7-1D0E-48E2-A1B9-FC1F0D491353}" srcId="{99A570BA-37D5-46E4-9712-2CB1F9FA92B9}" destId="{B74E439E-678C-4AFC-9A41-8BB3AE3ACFAC}" srcOrd="2" destOrd="0" parTransId="{284A4A46-A59A-4932-8A5E-9B8282456258}" sibTransId="{EE05C962-3E73-496C-8FD5-A1B57941A5A7}"/>
+    <dgm:cxn modelId="{BDB138F6-8B91-4A59-B7DE-7B3480DA9A13}" type="presOf" srcId="{32E23E9B-0621-472D-A7D0-14691E07DE6C}" destId="{18BB97DC-8A29-4534-B20C-7EFB190ACF90}" srcOrd="0" destOrd="0" presId="urn:microsoft.com/office/officeart/2018/5/layout/CenteredIconLabelDescriptionList"/>
+    <dgm:cxn modelId="{85EE11EF-A01D-42E9-85B3-278B7114FFE5}" srcId="{99A570BA-37D5-46E4-9712-2CB1F9FA92B9}" destId="{BDDDF605-9CCE-4558-95B0-1E6CA781A5DA}" srcOrd="0" destOrd="0" parTransId="{773052EC-D8DD-4EFD-8C89-220E53D2C283}" sibTransId="{0F73CBCA-8EA2-46F6-9860-87CAD053CB89}"/>
     <dgm:cxn modelId="{28951414-B00E-45A0-ACD3-CD2F30B4228D}" type="presOf" srcId="{33D5E0F8-97B8-444F-935F-4964845ADC22}" destId="{E5DBFD6A-BB14-4E85-B5E8-E716FBDBB965}" srcOrd="0" destOrd="0" presId="urn:microsoft.com/office/officeart/2018/5/layout/CenteredIconLabelDescriptionList"/>
-    <dgm:cxn modelId="{C5B73B15-29BE-401A-B06F-34DAA7B24A53}" srcId="{99A570BA-37D5-46E4-9712-2CB1F9FA92B9}" destId="{6ECF9EED-AEFA-41A9-9EFB-B2E867D3E149}" srcOrd="1" destOrd="0" parTransId="{27605C5E-05B4-4C17-B628-5C7F695CEED8}" sibTransId="{CA48365F-A0C4-4697-A7C2-3003B4DC1396}"/>
-    <dgm:cxn modelId="{BE959B3A-6094-4A6F-BE1B-311DED1C220B}" srcId="{6ECF9EED-AEFA-41A9-9EFB-B2E867D3E149}" destId="{D736043E-A349-4D58-937F-E739BBCF941F}" srcOrd="0" destOrd="0" parTransId="{7DDFF056-93AC-481C-BB2A-4ED7141C82B6}" sibTransId="{66900224-F235-42AF-B1A4-717215BBDB41}"/>
-    <dgm:cxn modelId="{EB6D863D-635F-465E-9341-2C35864327DF}" type="presOf" srcId="{86F8978C-7709-4365-8242-9D41257D04E0}" destId="{AFA726E1-4F66-480C-BE84-73A1067A78AD}" srcOrd="0" destOrd="0" presId="urn:microsoft.com/office/officeart/2018/5/layout/CenteredIconLabelDescriptionList"/>
-    <dgm:cxn modelId="{A6B98540-E7EF-4123-B1EC-9B166DE24947}" type="presOf" srcId="{EEEF2013-7C37-4EF6-8971-F14EE2A66F80}" destId="{1918754C-6196-4949-B264-E1D2D20A3419}" srcOrd="0" destOrd="0" presId="urn:microsoft.com/office/officeart/2018/5/layout/CenteredIconLabelDescriptionList"/>
-    <dgm:cxn modelId="{2F440EAB-FD27-4E6C-B46E-CBC9B3BC4093}" srcId="{BDDDF605-9CCE-4558-95B0-1E6CA781A5DA}" destId="{32E23E9B-0621-472D-A7D0-14691E07DE6C}" srcOrd="0" destOrd="0" parTransId="{B52E9A54-7ED0-42A3-9071-CB1D21F06F82}" sibTransId="{EAC156F5-E0BF-4CA3-9201-97218E9ADEAB}"/>
-    <dgm:cxn modelId="{6F20B0AF-55C2-48AB-A7EB-5F9BA0D363F3}" srcId="{99A570BA-37D5-46E4-9712-2CB1F9FA92B9}" destId="{33D5E0F8-97B8-444F-935F-4964845ADC22}" srcOrd="3" destOrd="0" parTransId="{2F13206A-CB8C-4D32-8D7B-0C6AB04069F8}" sibTransId="{D1A7E7D0-D300-447A-ACED-1A97A39C97BF}"/>
-    <dgm:cxn modelId="{B2BE00B5-AE73-4CE7-AC4E-79801184DA5E}" type="presOf" srcId="{99A570BA-37D5-46E4-9712-2CB1F9FA92B9}" destId="{5D137FFE-5141-404A-BB0B-45E731B6573B}" srcOrd="0" destOrd="0" presId="urn:microsoft.com/office/officeart/2018/5/layout/CenteredIconLabelDescriptionList"/>
     <dgm:cxn modelId="{D46069BD-2F71-4770-BF5F-29CEE96EDBCF}" srcId="{B74E439E-678C-4AFC-9A41-8BB3AE3ACFAC}" destId="{86F8978C-7709-4365-8242-9D41257D04E0}" srcOrd="0" destOrd="0" parTransId="{E74AB7B2-ABC5-4129-AA72-906E6A94B9D3}" sibTransId="{49552688-D967-41C8-A500-B2CF70CF71E6}"/>
     <dgm:cxn modelId="{289F8DC5-0EF2-41F5-B497-5FE4A29C68EF}" type="presOf" srcId="{6ECF9EED-AEFA-41A9-9EFB-B2E867D3E149}" destId="{2D0A6BCA-5BE3-4EAC-9936-A409BA0FAF05}" srcOrd="0" destOrd="0" presId="urn:microsoft.com/office/officeart/2018/5/layout/CenteredIconLabelDescriptionList"/>
-    <dgm:cxn modelId="{0B0049CD-9274-4C65-BE0E-BCA346E430BF}" type="presOf" srcId="{B74E439E-678C-4AFC-9A41-8BB3AE3ACFAC}" destId="{D54565DD-35FC-40EF-BB66-F3642954E07C}" srcOrd="0" destOrd="0" presId="urn:microsoft.com/office/officeart/2018/5/layout/CenteredIconLabelDescriptionList"/>
+    <dgm:cxn modelId="{36AF40EC-7D00-4DBA-8153-F80FB32FEB0D}" type="presOf" srcId="{BDDDF605-9CCE-4558-95B0-1E6CA781A5DA}" destId="{FEBFA108-0B1D-43C7-BA45-A87FA9B1149F}" srcOrd="0" destOrd="0" presId="urn:microsoft.com/office/officeart/2018/5/layout/CenteredIconLabelDescriptionList"/>
+    <dgm:cxn modelId="{EB6D863D-635F-465E-9341-2C35864327DF}" type="presOf" srcId="{86F8978C-7709-4365-8242-9D41257D04E0}" destId="{AFA726E1-4F66-480C-BE84-73A1067A78AD}" srcOrd="0" destOrd="0" presId="urn:microsoft.com/office/officeart/2018/5/layout/CenteredIconLabelDescriptionList"/>
+    <dgm:cxn modelId="{C5B73B15-29BE-401A-B06F-34DAA7B24A53}" srcId="{99A570BA-37D5-46E4-9712-2CB1F9FA92B9}" destId="{6ECF9EED-AEFA-41A9-9EFB-B2E867D3E149}" srcOrd="1" destOrd="0" parTransId="{27605C5E-05B4-4C17-B628-5C7F695CEED8}" sibTransId="{CA48365F-A0C4-4697-A7C2-3003B4DC1396}"/>
+    <dgm:cxn modelId="{0984060D-8682-46C5-BCAF-3DCCDE28DEEA}" srcId="{33D5E0F8-97B8-444F-935F-4964845ADC22}" destId="{EEEF2013-7C37-4EF6-8971-F14EE2A66F80}" srcOrd="0" destOrd="0" parTransId="{890E1AAF-DE96-45A9-AD1D-E894F4A0B67B}" sibTransId="{7CBB4771-325C-411B-A4F9-3E995D0BC3CE}"/>
     <dgm:cxn modelId="{057791CE-FAD7-46FF-BFE9-AE522DF19AB9}" type="presOf" srcId="{D736043E-A349-4D58-937F-E739BBCF941F}" destId="{3D2195E9-210B-4D51-84A4-877836A05D5F}" srcOrd="0" destOrd="0" presId="urn:microsoft.com/office/officeart/2018/5/layout/CenteredIconLabelDescriptionList"/>
-    <dgm:cxn modelId="{E3647EE7-1D0E-48E2-A1B9-FC1F0D491353}" srcId="{99A570BA-37D5-46E4-9712-2CB1F9FA92B9}" destId="{B74E439E-678C-4AFC-9A41-8BB3AE3ACFAC}" srcOrd="2" destOrd="0" parTransId="{284A4A46-A59A-4932-8A5E-9B8282456258}" sibTransId="{EE05C962-3E73-496C-8FD5-A1B57941A5A7}"/>
-    <dgm:cxn modelId="{36AF40EC-7D00-4DBA-8153-F80FB32FEB0D}" type="presOf" srcId="{BDDDF605-9CCE-4558-95B0-1E6CA781A5DA}" destId="{FEBFA108-0B1D-43C7-BA45-A87FA9B1149F}" srcOrd="0" destOrd="0" presId="urn:microsoft.com/office/officeart/2018/5/layout/CenteredIconLabelDescriptionList"/>
-    <dgm:cxn modelId="{85EE11EF-A01D-42E9-85B3-278B7114FFE5}" srcId="{99A570BA-37D5-46E4-9712-2CB1F9FA92B9}" destId="{BDDDF605-9CCE-4558-95B0-1E6CA781A5DA}" srcOrd="0" destOrd="0" parTransId="{773052EC-D8DD-4EFD-8C89-220E53D2C283}" sibTransId="{0F73CBCA-8EA2-46F6-9860-87CAD053CB89}"/>
-    <dgm:cxn modelId="{BDB138F6-8B91-4A59-B7DE-7B3480DA9A13}" type="presOf" srcId="{32E23E9B-0621-472D-A7D0-14691E07DE6C}" destId="{18BB97DC-8A29-4534-B20C-7EFB190ACF90}" srcOrd="0" destOrd="0" presId="urn:microsoft.com/office/officeart/2018/5/layout/CenteredIconLabelDescriptionList"/>
+    <dgm:cxn modelId="{A6B98540-E7EF-4123-B1EC-9B166DE24947}" type="presOf" srcId="{EEEF2013-7C37-4EF6-8971-F14EE2A66F80}" destId="{1918754C-6196-4949-B264-E1D2D20A3419}" srcOrd="0" destOrd="0" presId="urn:microsoft.com/office/officeart/2018/5/layout/CenteredIconLabelDescriptionList"/>
+    <dgm:cxn modelId="{B2BE00B5-AE73-4CE7-AC4E-79801184DA5E}" type="presOf" srcId="{99A570BA-37D5-46E4-9712-2CB1F9FA92B9}" destId="{5D137FFE-5141-404A-BB0B-45E731B6573B}" srcOrd="0" destOrd="0" presId="urn:microsoft.com/office/officeart/2018/5/layout/CenteredIconLabelDescriptionList"/>
     <dgm:cxn modelId="{2D07477F-9A63-474C-890B-90616F009B6A}" type="presParOf" srcId="{5D137FFE-5141-404A-BB0B-45E731B6573B}" destId="{EEF4FE9D-B14C-45ED-ABA3-FD3186C45BD5}" srcOrd="0" destOrd="0" presId="urn:microsoft.com/office/officeart/2018/5/layout/CenteredIconLabelDescriptionList"/>
     <dgm:cxn modelId="{C33B7E3D-C064-4235-A6FC-ECB7D4F696AB}" type="presParOf" srcId="{EEF4FE9D-B14C-45ED-ABA3-FD3186C45BD5}" destId="{7BD14343-4D55-437A-90B9-40970D773447}" srcOrd="0" destOrd="0" presId="urn:microsoft.com/office/officeart/2018/5/layout/CenteredIconLabelDescriptionList"/>
     <dgm:cxn modelId="{ABF76AAB-64F0-436B-B212-C0012316447E}" type="presParOf" srcId="{EEF4FE9D-B14C-45ED-ABA3-FD3186C45BD5}" destId="{2CE06765-18E4-4A75-8ABF-F244411589BD}" srcOrd="1" destOrd="0" presId="urn:microsoft.com/office/officeart/2018/5/layout/CenteredIconLabelDescriptionList"/>
@@ -1591,7 +1680,7 @@
                 <a14:useLocalDpi xmlns:a14="http://schemas.microsoft.com/office/drawing/2010/main" val="0"/>
               </a:ext>
               <a:ext uri="{96DAC541-7B7A-43D3-8B79-37D633B846F1}">
-                <asvg:svgBlip xmlns:asvg="http://schemas.microsoft.com/office/drawing/2016/SVG/main" r:embed="rId2"/>
+                <asvg:svgBlip xmlns:asvg="http://schemas.microsoft.com/office/drawing/2016/SVG/main" xmlns="" r:embed="rId2"/>
               </a:ext>
             </a:extLst>
           </a:blip>
@@ -1657,7 +1746,7 @@
         </a:bodyPr>
         <a:lstStyle/>
         <a:p>
-          <a:pPr marL="0" lvl="0" indent="0" algn="ctr" defTabSz="1066800">
+          <a:pPr lvl="0" algn="ctr" defTabSz="1066800">
             <a:lnSpc>
               <a:spcPct val="90000"/>
             </a:lnSpc>
@@ -1667,7 +1756,6 @@
             <a:spcAft>
               <a:spcPct val="35000"/>
             </a:spcAft>
-            <a:buNone/>
             <a:defRPr b="1"/>
           </a:pPr>
           <a:r>
@@ -1718,7 +1806,7 @@
         </a:bodyPr>
         <a:lstStyle/>
         <a:p>
-          <a:pPr marL="0" lvl="0" indent="0" algn="ctr" defTabSz="755650">
+          <a:pPr lvl="0" algn="ctr" defTabSz="755650">
             <a:lnSpc>
               <a:spcPct val="90000"/>
             </a:lnSpc>
@@ -1728,7 +1816,6 @@
             <a:spcAft>
               <a:spcPct val="35000"/>
             </a:spcAft>
-            <a:buNone/>
           </a:pPr>
           <a:r>
             <a:rPr lang="en-US" sz="1700" kern="1200" dirty="0"/>
@@ -1761,7 +1848,7 @@
                 <a14:useLocalDpi xmlns:a14="http://schemas.microsoft.com/office/drawing/2010/main" val="0"/>
               </a:ext>
               <a:ext uri="{96DAC541-7B7A-43D3-8B79-37D633B846F1}">
-                <asvg:svgBlip xmlns:asvg="http://schemas.microsoft.com/office/drawing/2016/SVG/main" r:embed="rId4"/>
+                <asvg:svgBlip xmlns:asvg="http://schemas.microsoft.com/office/drawing/2016/SVG/main" xmlns="" r:embed="rId4"/>
               </a:ext>
             </a:extLst>
           </a:blip>
@@ -1827,7 +1914,7 @@
         </a:bodyPr>
         <a:lstStyle/>
         <a:p>
-          <a:pPr marL="0" lvl="0" indent="0" algn="ctr" defTabSz="1066800">
+          <a:pPr lvl="0" algn="ctr" defTabSz="1066800">
             <a:lnSpc>
               <a:spcPct val="90000"/>
             </a:lnSpc>
@@ -1837,7 +1924,6 @@
             <a:spcAft>
               <a:spcPct val="35000"/>
             </a:spcAft>
-            <a:buNone/>
             <a:defRPr b="1"/>
           </a:pPr>
           <a:r>
@@ -1888,7 +1974,7 @@
         </a:bodyPr>
         <a:lstStyle/>
         <a:p>
-          <a:pPr marL="0" lvl="0" indent="0" algn="ctr" defTabSz="755650">
+          <a:pPr lvl="0" algn="ctr" defTabSz="755650">
             <a:lnSpc>
               <a:spcPct val="90000"/>
             </a:lnSpc>
@@ -1898,7 +1984,6 @@
             <a:spcAft>
               <a:spcPct val="35000"/>
             </a:spcAft>
-            <a:buNone/>
           </a:pPr>
           <a:r>
             <a:rPr lang="en-US" sz="1700" kern="1200"/>
@@ -1931,7 +2016,7 @@
                 <a14:useLocalDpi xmlns:a14="http://schemas.microsoft.com/office/drawing/2010/main" val="0"/>
               </a:ext>
               <a:ext uri="{96DAC541-7B7A-43D3-8B79-37D633B846F1}">
-                <asvg:svgBlip xmlns:asvg="http://schemas.microsoft.com/office/drawing/2016/SVG/main" r:embed="rId6"/>
+                <asvg:svgBlip xmlns:asvg="http://schemas.microsoft.com/office/drawing/2016/SVG/main" xmlns="" r:embed="rId6"/>
               </a:ext>
             </a:extLst>
           </a:blip>
@@ -1997,7 +2082,7 @@
         </a:bodyPr>
         <a:lstStyle/>
         <a:p>
-          <a:pPr marL="0" lvl="0" indent="0" algn="ctr" defTabSz="1066800">
+          <a:pPr lvl="0" algn="ctr" defTabSz="1066800">
             <a:lnSpc>
               <a:spcPct val="90000"/>
             </a:lnSpc>
@@ -2007,7 +2092,6 @@
             <a:spcAft>
               <a:spcPct val="35000"/>
             </a:spcAft>
-            <a:buNone/>
             <a:defRPr b="1"/>
           </a:pPr>
           <a:r>
@@ -2058,7 +2142,7 @@
         </a:bodyPr>
         <a:lstStyle/>
         <a:p>
-          <a:pPr marL="0" lvl="0" indent="0" algn="ctr" defTabSz="755650">
+          <a:pPr lvl="0" algn="ctr" defTabSz="755650">
             <a:lnSpc>
               <a:spcPct val="90000"/>
             </a:lnSpc>
@@ -2068,7 +2152,6 @@
             <a:spcAft>
               <a:spcPct val="35000"/>
             </a:spcAft>
-            <a:buNone/>
           </a:pPr>
           <a:r>
             <a:rPr lang="en-US" sz="1700" kern="1200"/>
@@ -2101,7 +2184,7 @@
                 <a14:useLocalDpi xmlns:a14="http://schemas.microsoft.com/office/drawing/2010/main" val="0"/>
               </a:ext>
               <a:ext uri="{96DAC541-7B7A-43D3-8B79-37D633B846F1}">
-                <asvg:svgBlip xmlns:asvg="http://schemas.microsoft.com/office/drawing/2016/SVG/main" r:embed="rId8"/>
+                <asvg:svgBlip xmlns:asvg="http://schemas.microsoft.com/office/drawing/2016/SVG/main" xmlns="" r:embed="rId8"/>
               </a:ext>
             </a:extLst>
           </a:blip>
@@ -2166,7 +2249,7 @@
         </a:bodyPr>
         <a:lstStyle/>
         <a:p>
-          <a:pPr marL="0" lvl="0" indent="0" algn="ctr" defTabSz="1066800">
+          <a:pPr lvl="0" algn="ctr" defTabSz="1066800">
             <a:lnSpc>
               <a:spcPct val="90000"/>
             </a:lnSpc>
@@ -2176,7 +2259,6 @@
             <a:spcAft>
               <a:spcPct val="35000"/>
             </a:spcAft>
-            <a:buNone/>
             <a:defRPr b="1"/>
           </a:pPr>
           <a:r>
@@ -2227,7 +2309,7 @@
         </a:bodyPr>
         <a:lstStyle/>
         <a:p>
-          <a:pPr marL="0" lvl="0" indent="0" algn="ctr" defTabSz="755650">
+          <a:pPr lvl="0" algn="ctr" defTabSz="755650">
             <a:lnSpc>
               <a:spcPct val="90000"/>
             </a:lnSpc>
@@ -2237,7 +2319,6 @@
             <a:spcAft>
               <a:spcPct val="35000"/>
             </a:spcAft>
-            <a:buNone/>
           </a:pPr>
           <a:r>
             <a:rPr lang="en-US" sz="1700" kern="1200" dirty="0"/>
@@ -2437,7 +2518,7 @@
   </dgm:layoutNode>
   <dgm:extLst>
     <a:ext uri="{68A01E43-0DF5-4B5B-8FA6-DAF915123BFB}">
-      <dgm1612:lstStyle xmlns:dgm1612="http://schemas.microsoft.com/office/drawing/2016/12/diagram">
+      <dgm1612:lstStyle xmlns:dgm1612="http://schemas.microsoft.com/office/drawing/2016/12/diagram" xmlns="">
         <a:lvl1pPr>
           <a:lnSpc>
             <a:spcPct val="100000"/>
@@ -3571,7 +3652,7 @@
           <a:p>
             <a:fld id="{7BCB8214-0E7E-4EFC-9E1C-25F6159D4170}" type="datetimeFigureOut">
               <a:rPr lang="en-US" smtClean="0"/>
-              <a:t>9/16/2018</a:t>
+              <a:t>9/17/2018</a:t>
             </a:fld>
             <a:endParaRPr lang="en-US"/>
           </a:p>
@@ -3906,7 +3987,7 @@
           <a:p>
             <a:fld id="{0112F830-31CF-4898-9DC8-86941997CB87}" type="slidenum">
               <a:rPr lang="en-US" smtClean="0"/>
-              <a:t>4</a:t>
+              <a:t>3</a:t>
             </a:fld>
             <a:endParaRPr lang="en-US"/>
           </a:p>
@@ -4054,7 +4135,7 @@
                 <a:tabLst/>
                 <a:defRPr/>
               </a:pPr>
-              <a:t>8</a:t>
+              <a:t>7</a:t>
             </a:fld>
             <a:endParaRPr kumimoji="0" lang="en-US" sz="1200" b="0" i="0" u="none" strike="noStrike" kern="1200" cap="none" spc="0" normalizeH="0" baseline="0" noProof="0">
               <a:ln>
@@ -4159,7 +4240,7 @@
           <a:p>
             <a:fld id="{E564724E-7CB4-4288-908A-97852378BB2E}" type="slidenum">
               <a:rPr lang="en-US" smtClean="0"/>
-              <a:t>9</a:t>
+              <a:t>8</a:t>
             </a:fld>
             <a:endParaRPr lang="en-US"/>
           </a:p>
@@ -4266,7 +4347,7 @@
           <a:p>
             <a:fld id="{0112F830-31CF-4898-9DC8-86941997CB87}" type="slidenum">
               <a:rPr lang="en-US" smtClean="0"/>
-              <a:t>15</a:t>
+              <a:t>14</a:t>
             </a:fld>
             <a:endParaRPr lang="en-US"/>
           </a:p>
@@ -4416,7 +4497,7 @@
           <a:p>
             <a:fld id="{C8AC65AB-5746-43EA-A59E-648FB11CA309}" type="datetimeFigureOut">
               <a:rPr lang="en-US" smtClean="0"/>
-              <a:t>9/16/2018</a:t>
+              <a:t>9/17/2018</a:t>
             </a:fld>
             <a:endParaRPr lang="en-US"/>
           </a:p>
@@ -4586,7 +4667,7 @@
           <a:p>
             <a:fld id="{C8AC65AB-5746-43EA-A59E-648FB11CA309}" type="datetimeFigureOut">
               <a:rPr lang="en-US" smtClean="0"/>
-              <a:t>9/16/2018</a:t>
+              <a:t>9/17/2018</a:t>
             </a:fld>
             <a:endParaRPr lang="en-US"/>
           </a:p>
@@ -4766,7 +4847,7 @@
           <a:p>
             <a:fld id="{C8AC65AB-5746-43EA-A59E-648FB11CA309}" type="datetimeFigureOut">
               <a:rPr lang="en-US" smtClean="0"/>
-              <a:t>9/16/2018</a:t>
+              <a:t>9/17/2018</a:t>
             </a:fld>
             <a:endParaRPr lang="en-US"/>
           </a:p>
@@ -5059,7 +5140,7 @@
           <a:p>
             <a:fld id="{00682357-D158-470D-AD20-0063E9FBD795}" type="datetime1">
               <a:rPr lang="en-US" smtClean="0"/>
-              <a:t>9/16/2018</a:t>
+              <a:t>9/17/2018</a:t>
             </a:fld>
             <a:endParaRPr lang="en-US" dirty="0"/>
           </a:p>
@@ -5512,7 +5593,7 @@
           <a:p>
             <a:fld id="{C8AC65AB-5746-43EA-A59E-648FB11CA309}" type="datetimeFigureOut">
               <a:rPr lang="en-US" smtClean="0"/>
-              <a:t>9/16/2018</a:t>
+              <a:t>9/17/2018</a:t>
             </a:fld>
             <a:endParaRPr lang="en-US"/>
           </a:p>
@@ -5757,7 +5838,7 @@
           <a:p>
             <a:fld id="{C8AC65AB-5746-43EA-A59E-648FB11CA309}" type="datetimeFigureOut">
               <a:rPr lang="en-US" smtClean="0"/>
-              <a:t>9/16/2018</a:t>
+              <a:t>9/17/2018</a:t>
             </a:fld>
             <a:endParaRPr lang="en-US"/>
           </a:p>
@@ -5994,7 +6075,7 @@
           <a:p>
             <a:fld id="{C8AC65AB-5746-43EA-A59E-648FB11CA309}" type="datetimeFigureOut">
               <a:rPr lang="en-US" smtClean="0"/>
-              <a:t>9/16/2018</a:t>
+              <a:t>9/17/2018</a:t>
             </a:fld>
             <a:endParaRPr lang="en-US"/>
           </a:p>
@@ -6370,7 +6451,7 @@
           <a:p>
             <a:fld id="{C8AC65AB-5746-43EA-A59E-648FB11CA309}" type="datetimeFigureOut">
               <a:rPr lang="en-US" smtClean="0"/>
-              <a:t>9/16/2018</a:t>
+              <a:t>9/17/2018</a:t>
             </a:fld>
             <a:endParaRPr lang="en-US"/>
           </a:p>
@@ -6493,7 +6574,7 @@
           <a:p>
             <a:fld id="{C8AC65AB-5746-43EA-A59E-648FB11CA309}" type="datetimeFigureOut">
               <a:rPr lang="en-US" smtClean="0"/>
-              <a:t>9/16/2018</a:t>
+              <a:t>9/17/2018</a:t>
             </a:fld>
             <a:endParaRPr lang="en-US"/>
           </a:p>
@@ -6588,7 +6669,7 @@
           <a:p>
             <a:fld id="{C8AC65AB-5746-43EA-A59E-648FB11CA309}" type="datetimeFigureOut">
               <a:rPr lang="en-US" smtClean="0"/>
-              <a:t>9/16/2018</a:t>
+              <a:t>9/17/2018</a:t>
             </a:fld>
             <a:endParaRPr lang="en-US"/>
           </a:p>
@@ -6865,7 +6946,7 @@
           <a:p>
             <a:fld id="{C8AC65AB-5746-43EA-A59E-648FB11CA309}" type="datetimeFigureOut">
               <a:rPr lang="en-US" smtClean="0"/>
-              <a:t>9/16/2018</a:t>
+              <a:t>9/17/2018</a:t>
             </a:fld>
             <a:endParaRPr lang="en-US"/>
           </a:p>
@@ -7122,7 +7203,7 @@
           <a:p>
             <a:fld id="{C8AC65AB-5746-43EA-A59E-648FB11CA309}" type="datetimeFigureOut">
               <a:rPr lang="en-US" smtClean="0"/>
-              <a:t>9/16/2018</a:t>
+              <a:t>9/17/2018</a:t>
             </a:fld>
             <a:endParaRPr lang="en-US"/>
           </a:p>
@@ -7335,7 +7416,7 @@
           <a:p>
             <a:fld id="{C8AC65AB-5746-43EA-A59E-648FB11CA309}" type="datetimeFigureOut">
               <a:rPr lang="en-US" smtClean="0"/>
-              <a:t>9/16/2018</a:t>
+              <a:t>9/17/2018</a:t>
             </a:fld>
             <a:endParaRPr lang="en-US"/>
           </a:p>
@@ -7757,7 +7838,7 @@
                 <a16:creationId xmlns:a16="http://schemas.microsoft.com/office/drawing/2014/main" id="{6753252F-4873-4F63-801D-CC719279A7D5}"/>
               </a:ext>
               <a:ext uri="{C183D7F6-B498-43B3-948B-1728B52AA6E4}">
-                <adec:decorative xmlns:adec="http://schemas.microsoft.com/office/drawing/2017/decorative" val="1"/>
+                <adec:decorative xmlns:adec="http://schemas.microsoft.com/office/drawing/2017/decorative" xmlns="" val="1"/>
               </a:ext>
             </a:extLst>
           </p:cNvPr>
@@ -7849,7 +7930,7 @@
                 <a16:creationId xmlns:a16="http://schemas.microsoft.com/office/drawing/2014/main" id="{047C8CCB-F95D-4249-92DD-651249D3535A}"/>
               </a:ext>
               <a:ext uri="{C183D7F6-B498-43B3-948B-1728B52AA6E4}">
-                <adec:decorative xmlns:adec="http://schemas.microsoft.com/office/drawing/2017/decorative" val="1"/>
+                <adec:decorative xmlns:adec="http://schemas.microsoft.com/office/drawing/2017/decorative" xmlns="" val="1"/>
               </a:ext>
             </a:extLst>
           </p:cNvPr>
@@ -8068,140 +8149,168 @@
             <p:ph type="title"/>
           </p:nvPr>
         </p:nvSpPr>
+        <p:spPr/>
+        <p:txBody>
+          <a:bodyPr/>
+          <a:lstStyle/>
+          <a:p>
+            <a:r>
+              <a:rPr lang="en-US" dirty="0"/>
+              <a:t>Application Architectures</a:t>
+            </a:r>
+          </a:p>
+        </p:txBody>
+      </p:sp>
+      <p:sp>
+        <p:nvSpPr>
+          <p:cNvPr id="3" name="Content Placeholder 2"/>
+          <p:cNvSpPr>
+            <a:spLocks noGrp="1"/>
+          </p:cNvSpPr>
+          <p:nvPr>
+            <p:ph idx="1"/>
+          </p:nvPr>
+        </p:nvSpPr>
         <p:spPr>
           <a:xfrm>
-            <a:off x="452387" y="365125"/>
-            <a:ext cx="10901413" cy="1325563"/>
+            <a:off x="2300437" y="1825625"/>
+            <a:ext cx="9053361" cy="4351338"/>
           </a:xfrm>
         </p:spPr>
         <p:txBody>
-          <a:bodyPr/>
-          <a:lstStyle/>
-          <a:p>
-            <a:r>
-              <a:rPr lang="en-US" dirty="0"/>
-              <a:t>Check:</a:t>
-            </a:r>
-          </a:p>
-        </p:txBody>
-      </p:sp>
-      <p:sp>
-        <p:nvSpPr>
-          <p:cNvPr id="3" name="Content Placeholder 2"/>
-          <p:cNvSpPr>
-            <a:spLocks noGrp="1"/>
-          </p:cNvSpPr>
-          <p:nvPr>
-            <p:ph idx="1"/>
-          </p:nvPr>
-        </p:nvSpPr>
-        <p:spPr>
-          <a:xfrm>
-            <a:off x="308008" y="1825625"/>
-            <a:ext cx="2849077" cy="4351338"/>
-          </a:xfrm>
-        </p:spPr>
-        <p:txBody>
           <a:bodyPr>
-            <a:normAutofit/>
+            <a:normAutofit lnSpcReduction="10000"/>
           </a:bodyPr>
           <a:lstStyle/>
           <a:p>
-            <a:r>
-              <a:rPr lang="en-US" sz="2800" dirty="0"/>
-              <a:t>Example </a:t>
-            </a:r>
-            <a:r>
-              <a:rPr lang="en-US" sz="2800" dirty="0">
-                <a:sym typeface="Wingdings" panose="05000000000000000000" pitchFamily="2" charset="2"/>
-              </a:rPr>
-              <a:t></a:t>
-            </a:r>
-            <a:endParaRPr lang="en-US" sz="2800" dirty="0"/>
-          </a:p>
-          <a:p>
-            <a:r>
-              <a:rPr lang="en-US" sz="2800" dirty="0"/>
-              <a:t>Code:</a:t>
-            </a:r>
-          </a:p>
-          <a:p>
-            <a:pPr lvl="1"/>
-            <a:r>
-              <a:rPr lang="en-US" sz="2400" dirty="0"/>
-              <a:t>Presentation?</a:t>
-            </a:r>
-          </a:p>
-          <a:p>
-            <a:pPr lvl="1"/>
-            <a:r>
-              <a:rPr lang="en-US" sz="2400" dirty="0"/>
-              <a:t>Business</a:t>
-            </a:r>
-            <a:br>
-              <a:rPr lang="en-US" sz="2400" dirty="0"/>
-            </a:br>
-            <a:r>
-              <a:rPr lang="en-US" sz="2400" dirty="0"/>
-              <a:t>Logic ?</a:t>
-            </a:r>
-          </a:p>
-          <a:p>
-            <a:pPr lvl="1"/>
-            <a:r>
-              <a:rPr lang="en-US" sz="2400" dirty="0"/>
-              <a:t>Data Access? </a:t>
-            </a:r>
-          </a:p>
-          <a:p>
-            <a:r>
-              <a:rPr lang="en-US" sz="2800" dirty="0"/>
-              <a:t>Data</a:t>
-            </a:r>
-          </a:p>
-          <a:p>
-            <a:pPr lvl="1"/>
-            <a:r>
-              <a:rPr lang="en-US" sz="2400" dirty="0"/>
-              <a:t>Business Data ?</a:t>
-            </a:r>
-          </a:p>
-        </p:txBody>
-      </p:sp>
-      <p:pic>
-        <p:nvPicPr>
-          <p:cNvPr id="10" name="Picture 9"/>
-          <p:cNvPicPr>
-            <a:picLocks noChangeAspect="1"/>
-          </p:cNvPicPr>
+            <a:pPr marL="514350" indent="-514350">
+              <a:buFont typeface="+mj-lt"/>
+              <a:buAutoNum type="arabicPeriod"/>
+            </a:pPr>
+            <a:r>
+              <a:rPr lang="en-US" dirty="0"/>
+              <a:t>Monolithic </a:t>
+            </a:r>
+          </a:p>
+          <a:p>
+            <a:pPr marL="514350" indent="-514350">
+              <a:buFont typeface="+mj-lt"/>
+              <a:buAutoNum type="arabicPeriod"/>
+            </a:pPr>
+            <a:r>
+              <a:rPr lang="en-US" dirty="0"/>
+              <a:t>Monolithic over distributed storage</a:t>
+            </a:r>
+          </a:p>
+          <a:p>
+            <a:pPr marL="514350" indent="-514350">
+              <a:buFont typeface="+mj-lt"/>
+              <a:buAutoNum type="arabicPeriod"/>
+            </a:pPr>
+            <a:r>
+              <a:rPr lang="en-US" dirty="0"/>
+              <a:t>Two-tier thin client </a:t>
+            </a:r>
+          </a:p>
+          <a:p>
+            <a:pPr marL="514350" indent="-514350">
+              <a:buFont typeface="+mj-lt"/>
+              <a:buAutoNum type="arabicPeriod"/>
+            </a:pPr>
+            <a:r>
+              <a:rPr lang="en-US" dirty="0"/>
+              <a:t>Two-tier fat-client</a:t>
+            </a:r>
+          </a:p>
+          <a:p>
+            <a:pPr marL="514350" indent="-514350">
+              <a:buFont typeface="+mj-lt"/>
+              <a:buAutoNum type="arabicPeriod"/>
+            </a:pPr>
+            <a:r>
+              <a:rPr lang="en-US" dirty="0"/>
+              <a:t>Three Tier</a:t>
+            </a:r>
+          </a:p>
+          <a:p>
+            <a:pPr marL="514350" indent="-514350">
+              <a:buFont typeface="+mj-lt"/>
+              <a:buAutoNum type="arabicPeriod"/>
+            </a:pPr>
+            <a:r>
+              <a:rPr lang="en-US" dirty="0"/>
+              <a:t>N-Tier</a:t>
+            </a:r>
+          </a:p>
+          <a:p>
+            <a:pPr marL="514350" indent="-514350">
+              <a:buFont typeface="+mj-lt"/>
+              <a:buAutoNum type="arabicPeriod"/>
+            </a:pPr>
+            <a:r>
+              <a:rPr lang="en-US" dirty="0"/>
+              <a:t>Enterprise Service Bus</a:t>
+            </a:r>
+          </a:p>
+          <a:p>
+            <a:pPr marL="514350" indent="-514350">
+              <a:buFont typeface="+mj-lt"/>
+              <a:buAutoNum type="arabicPeriod"/>
+            </a:pPr>
+            <a:r>
+              <a:rPr lang="en-US" dirty="0"/>
+              <a:t>Micro Services</a:t>
+            </a:r>
+          </a:p>
+        </p:txBody>
+      </p:sp>
+      <p:sp>
+        <p:nvSpPr>
+          <p:cNvPr id="5" name="Right Arrow 4"/>
+          <p:cNvSpPr/>
           <p:nvPr/>
-        </p:nvPicPr>
-        <p:blipFill>
-          <a:blip r:embed="rId2">
-            <a:extLst>
-              <a:ext uri="{28A0092B-C50C-407E-A947-70E740481C1C}">
-                <a14:useLocalDpi xmlns:a14="http://schemas.microsoft.com/office/drawing/2010/main" val="0"/>
-              </a:ext>
-            </a:extLst>
-          </a:blip>
-          <a:stretch>
-            <a:fillRect/>
-          </a:stretch>
-        </p:blipFill>
+        </p:nvSpPr>
         <p:spPr>
-          <a:xfrm>
-            <a:off x="3227673" y="109487"/>
-            <a:ext cx="8824761" cy="6618571"/>
+          <a:xfrm rot="5400000">
+            <a:off x="-1238254" y="2928943"/>
+            <a:ext cx="4305308" cy="1828801"/>
           </a:xfrm>
-          <a:prstGeom prst="rect">
+          <a:prstGeom prst="rightArrow">
             <a:avLst/>
           </a:prstGeom>
         </p:spPr>
-      </p:pic>
+        <p:style>
+          <a:lnRef idx="2">
+            <a:schemeClr val="accent1">
+              <a:shade val="50000"/>
+            </a:schemeClr>
+          </a:lnRef>
+          <a:fillRef idx="1">
+            <a:schemeClr val="accent1"/>
+          </a:fillRef>
+          <a:effectRef idx="0">
+            <a:schemeClr val="accent1"/>
+          </a:effectRef>
+          <a:fontRef idx="minor">
+            <a:schemeClr val="lt1"/>
+          </a:fontRef>
+        </p:style>
+        <p:txBody>
+          <a:bodyPr rtlCol="0" anchor="ctr"/>
+          <a:lstStyle/>
+          <a:p>
+            <a:pPr algn="ctr"/>
+            <a:r>
+              <a:rPr lang="en-US" sz="3200" dirty="0"/>
+              <a:t>Complexity</a:t>
+            </a:r>
+          </a:p>
+        </p:txBody>
+      </p:sp>
     </p:spTree>
     <p:extLst>
       <p:ext uri="{BB962C8B-B14F-4D97-AF65-F5344CB8AC3E}">
-        <p14:creationId xmlns:p14="http://schemas.microsoft.com/office/powerpoint/2010/main" val="3425537333"/>
+        <p14:creationId xmlns:p14="http://schemas.microsoft.com/office/powerpoint/2010/main" val="531440346"/>
       </p:ext>
     </p:extLst>
   </p:cSld>
@@ -8230,204 +8339,6 @@
       </p:grpSpPr>
       <p:sp>
         <p:nvSpPr>
-          <p:cNvPr id="2" name="Title 1"/>
-          <p:cNvSpPr>
-            <a:spLocks noGrp="1"/>
-          </p:cNvSpPr>
-          <p:nvPr>
-            <p:ph type="title"/>
-          </p:nvPr>
-        </p:nvSpPr>
-        <p:spPr/>
-        <p:txBody>
-          <a:bodyPr/>
-          <a:lstStyle/>
-          <a:p>
-            <a:r>
-              <a:rPr lang="en-US" dirty="0"/>
-              <a:t>Application Architectures</a:t>
-            </a:r>
-          </a:p>
-        </p:txBody>
-      </p:sp>
-      <p:sp>
-        <p:nvSpPr>
-          <p:cNvPr id="3" name="Content Placeholder 2"/>
-          <p:cNvSpPr>
-            <a:spLocks noGrp="1"/>
-          </p:cNvSpPr>
-          <p:nvPr>
-            <p:ph idx="1"/>
-          </p:nvPr>
-        </p:nvSpPr>
-        <p:spPr>
-          <a:xfrm>
-            <a:off x="2300437" y="1825625"/>
-            <a:ext cx="9053361" cy="4351338"/>
-          </a:xfrm>
-        </p:spPr>
-        <p:txBody>
-          <a:bodyPr>
-            <a:normAutofit lnSpcReduction="10000"/>
-          </a:bodyPr>
-          <a:lstStyle/>
-          <a:p>
-            <a:pPr marL="514350" indent="-514350">
-              <a:buFont typeface="+mj-lt"/>
-              <a:buAutoNum type="arabicPeriod"/>
-            </a:pPr>
-            <a:r>
-              <a:rPr lang="en-US" dirty="0"/>
-              <a:t>Monolithic </a:t>
-            </a:r>
-          </a:p>
-          <a:p>
-            <a:pPr marL="514350" indent="-514350">
-              <a:buFont typeface="+mj-lt"/>
-              <a:buAutoNum type="arabicPeriod"/>
-            </a:pPr>
-            <a:r>
-              <a:rPr lang="en-US" dirty="0"/>
-              <a:t>Monolithic over distributed storage</a:t>
-            </a:r>
-          </a:p>
-          <a:p>
-            <a:pPr marL="514350" indent="-514350">
-              <a:buFont typeface="+mj-lt"/>
-              <a:buAutoNum type="arabicPeriod"/>
-            </a:pPr>
-            <a:r>
-              <a:rPr lang="en-US" dirty="0"/>
-              <a:t>Two-tier thin client </a:t>
-            </a:r>
-          </a:p>
-          <a:p>
-            <a:pPr marL="514350" indent="-514350">
-              <a:buFont typeface="+mj-lt"/>
-              <a:buAutoNum type="arabicPeriod"/>
-            </a:pPr>
-            <a:r>
-              <a:rPr lang="en-US" dirty="0"/>
-              <a:t>Two-tier fat-client</a:t>
-            </a:r>
-          </a:p>
-          <a:p>
-            <a:pPr marL="514350" indent="-514350">
-              <a:buFont typeface="+mj-lt"/>
-              <a:buAutoNum type="arabicPeriod"/>
-            </a:pPr>
-            <a:r>
-              <a:rPr lang="en-US" dirty="0"/>
-              <a:t>Three Tier</a:t>
-            </a:r>
-          </a:p>
-          <a:p>
-            <a:pPr marL="514350" indent="-514350">
-              <a:buFont typeface="+mj-lt"/>
-              <a:buAutoNum type="arabicPeriod"/>
-            </a:pPr>
-            <a:r>
-              <a:rPr lang="en-US" dirty="0"/>
-              <a:t>N-Tier</a:t>
-            </a:r>
-          </a:p>
-          <a:p>
-            <a:pPr marL="514350" indent="-514350">
-              <a:buFont typeface="+mj-lt"/>
-              <a:buAutoNum type="arabicPeriod"/>
-            </a:pPr>
-            <a:r>
-              <a:rPr lang="en-US" dirty="0"/>
-              <a:t>Enterprise Service Bus</a:t>
-            </a:r>
-          </a:p>
-          <a:p>
-            <a:pPr marL="514350" indent="-514350">
-              <a:buFont typeface="+mj-lt"/>
-              <a:buAutoNum type="arabicPeriod"/>
-            </a:pPr>
-            <a:r>
-              <a:rPr lang="en-US" dirty="0"/>
-              <a:t>Micro Services</a:t>
-            </a:r>
-          </a:p>
-        </p:txBody>
-      </p:sp>
-      <p:sp>
-        <p:nvSpPr>
-          <p:cNvPr id="5" name="Right Arrow 4"/>
-          <p:cNvSpPr/>
-          <p:nvPr/>
-        </p:nvSpPr>
-        <p:spPr>
-          <a:xfrm rot="5400000">
-            <a:off x="-1238254" y="2928943"/>
-            <a:ext cx="4305308" cy="1828801"/>
-          </a:xfrm>
-          <a:prstGeom prst="rightArrow">
-            <a:avLst/>
-          </a:prstGeom>
-        </p:spPr>
-        <p:style>
-          <a:lnRef idx="2">
-            <a:schemeClr val="accent1">
-              <a:shade val="50000"/>
-            </a:schemeClr>
-          </a:lnRef>
-          <a:fillRef idx="1">
-            <a:schemeClr val="accent1"/>
-          </a:fillRef>
-          <a:effectRef idx="0">
-            <a:schemeClr val="accent1"/>
-          </a:effectRef>
-          <a:fontRef idx="minor">
-            <a:schemeClr val="lt1"/>
-          </a:fontRef>
-        </p:style>
-        <p:txBody>
-          <a:bodyPr rtlCol="0" anchor="ctr"/>
-          <a:lstStyle/>
-          <a:p>
-            <a:pPr algn="ctr"/>
-            <a:r>
-              <a:rPr lang="en-US" sz="3200" dirty="0"/>
-              <a:t>Complexity</a:t>
-            </a:r>
-          </a:p>
-        </p:txBody>
-      </p:sp>
-    </p:spTree>
-    <p:extLst>
-      <p:ext uri="{BB962C8B-B14F-4D97-AF65-F5344CB8AC3E}">
-        <p14:creationId xmlns:p14="http://schemas.microsoft.com/office/powerpoint/2010/main" val="531440346"/>
-      </p:ext>
-    </p:extLst>
-  </p:cSld>
-  <p:clrMapOvr>
-    <a:masterClrMapping/>
-  </p:clrMapOvr>
-</p:sld>
-</file>
-
-<file path=ppt/slides/slide12.xml><?xml version="1.0" encoding="utf-8"?>
-<p:sld xmlns:a="http://schemas.openxmlformats.org/drawingml/2006/main" xmlns:r="http://schemas.openxmlformats.org/officeDocument/2006/relationships" xmlns:p="http://schemas.openxmlformats.org/presentationml/2006/main">
-  <p:cSld>
-    <p:spTree>
-      <p:nvGrpSpPr>
-        <p:cNvPr id="1" name=""/>
-        <p:cNvGrpSpPr/>
-        <p:nvPr/>
-      </p:nvGrpSpPr>
-      <p:grpSpPr>
-        <a:xfrm>
-          <a:off x="0" y="0"/>
-          <a:ext cx="0" cy="0"/>
-          <a:chOff x="0" y="0"/>
-          <a:chExt cx="0" cy="0"/>
-        </a:xfrm>
-      </p:grpSpPr>
-      <p:sp>
-        <p:nvSpPr>
           <p:cNvPr id="2" name="Title 1">
             <a:extLst>
               <a:ext uri="{FF2B5EF4-FFF2-40B4-BE49-F238E27FC236}">
@@ -8585,7 +8496,7 @@
                 <a14:useLocalDpi xmlns:a14="http://schemas.microsoft.com/office/drawing/2010/main" val="0"/>
               </a:ext>
               <a:ext uri="{96DAC541-7B7A-43D3-8B79-37D633B846F1}">
-                <asvg:svgBlip xmlns:asvg="http://schemas.microsoft.com/office/drawing/2016/SVG/main" r:embed="rId3"/>
+                <asvg:svgBlip xmlns:asvg="http://schemas.microsoft.com/office/drawing/2016/SVG/main" xmlns="" r:embed="rId3"/>
               </a:ext>
             </a:extLst>
           </a:blip>
@@ -8616,7 +8527,7 @@
 </p:sld>
 </file>
 
-<file path=ppt/slides/slide13.xml><?xml version="1.0" encoding="utf-8"?>
+<file path=ppt/slides/slide12.xml><?xml version="1.0" encoding="utf-8"?>
 <p:sld xmlns:a="http://schemas.openxmlformats.org/drawingml/2006/main" xmlns:r="http://schemas.openxmlformats.org/officeDocument/2006/relationships" xmlns:p="http://schemas.openxmlformats.org/presentationml/2006/main">
   <p:cSld>
     <p:bg>
@@ -8649,7 +8560,7 @@
                 <a16:creationId xmlns:a16="http://schemas.microsoft.com/office/drawing/2014/main" id="{C66F2F30-5DC0-44A0-BFA6-E12F46ED16DA}"/>
               </a:ext>
               <a:ext uri="{C183D7F6-B498-43B3-948B-1728B52AA6E4}">
-                <adec:decorative xmlns:adec="http://schemas.microsoft.com/office/drawing/2017/decorative" val="1"/>
+                <adec:decorative xmlns:adec="http://schemas.microsoft.com/office/drawing/2017/decorative" xmlns="" val="1"/>
               </a:ext>
             </a:extLst>
           </p:cNvPr>
@@ -8773,7 +8684,7 @@
                 <a16:creationId xmlns:a16="http://schemas.microsoft.com/office/drawing/2014/main" id="{85872F57-7F42-4F97-8391-DDC8D0054C03}"/>
               </a:ext>
               <a:ext uri="{C183D7F6-B498-43B3-948B-1728B52AA6E4}">
-                <adec:decorative xmlns:adec="http://schemas.microsoft.com/office/drawing/2017/decorative" val="1"/>
+                <adec:decorative xmlns:adec="http://schemas.microsoft.com/office/drawing/2017/decorative" xmlns="" val="1"/>
               </a:ext>
             </a:extLst>
           </p:cNvPr>
@@ -8929,7 +8840,7 @@
                 <a16:creationId xmlns:a16="http://schemas.microsoft.com/office/drawing/2014/main" id="{04DC2037-48A0-4F22-B9D4-8EAEBC780AB4}"/>
               </a:ext>
               <a:ext uri="{C183D7F6-B498-43B3-948B-1728B52AA6E4}">
-                <adec:decorative xmlns:adec="http://schemas.microsoft.com/office/drawing/2017/decorative" val="1"/>
+                <adec:decorative xmlns:adec="http://schemas.microsoft.com/office/drawing/2017/decorative" xmlns="" val="1"/>
               </a:ext>
             </a:extLst>
           </p:cNvPr>
@@ -9034,7 +8945,7 @@
                 <a16:creationId xmlns:a16="http://schemas.microsoft.com/office/drawing/2014/main" id="{0006CBFD-ADA0-43D1-9332-9C34CA1C76ED}"/>
               </a:ext>
               <a:ext uri="{C183D7F6-B498-43B3-948B-1728B52AA6E4}">
-                <adec:decorative xmlns:adec="http://schemas.microsoft.com/office/drawing/2017/decorative" val="1"/>
+                <adec:decorative xmlns:adec="http://schemas.microsoft.com/office/drawing/2017/decorative" xmlns="" val="1"/>
               </a:ext>
             </a:extLst>
           </p:cNvPr>
@@ -9142,7 +9053,7 @@
                 <a16:creationId xmlns:a16="http://schemas.microsoft.com/office/drawing/2014/main" id="{2B931666-F28F-45F3-A074-66D2272D580B}"/>
               </a:ext>
               <a:ext uri="{C183D7F6-B498-43B3-948B-1728B52AA6E4}">
-                <adec:decorative xmlns:adec="http://schemas.microsoft.com/office/drawing/2017/decorative" val="1"/>
+                <adec:decorative xmlns:adec="http://schemas.microsoft.com/office/drawing/2017/decorative" xmlns="" val="1"/>
               </a:ext>
             </a:extLst>
           </p:cNvPr>
@@ -9358,7 +9269,7 @@
 </p:sld>
 </file>
 
-<file path=ppt/slides/slide14.xml><?xml version="1.0" encoding="utf-8"?>
+<file path=ppt/slides/slide13.xml><?xml version="1.0" encoding="utf-8"?>
 <p:sld xmlns:a="http://schemas.openxmlformats.org/drawingml/2006/main" xmlns:r="http://schemas.openxmlformats.org/officeDocument/2006/relationships" xmlns:p="http://schemas.openxmlformats.org/presentationml/2006/main">
   <p:cSld>
     <p:spTree>
@@ -9489,7 +9400,7 @@
 </p:sld>
 </file>
 
-<file path=ppt/slides/slide15.xml><?xml version="1.0" encoding="utf-8"?>
+<file path=ppt/slides/slide14.xml><?xml version="1.0" encoding="utf-8"?>
 <p:sld xmlns:a="http://schemas.openxmlformats.org/drawingml/2006/main" xmlns:r="http://schemas.openxmlformats.org/officeDocument/2006/relationships" xmlns:p="http://schemas.openxmlformats.org/presentationml/2006/main">
   <p:cSld>
     <p:bg>
@@ -9535,7 +9446,7 @@
                 <a14:useLocalDpi xmlns:a14="http://schemas.microsoft.com/office/drawing/2010/main" val="0"/>
               </a:ext>
               <a:ext uri="{96DAC541-7B7A-43D3-8B79-37D633B846F1}">
-                <asvg:svgBlip xmlns:asvg="http://schemas.microsoft.com/office/drawing/2016/SVG/main" r:embed="rId4"/>
+                <asvg:svgBlip xmlns:asvg="http://schemas.microsoft.com/office/drawing/2016/SVG/main" xmlns="" r:embed="rId4"/>
               </a:ext>
             </a:extLst>
           </a:blip>
@@ -9561,7 +9472,7 @@
                 <a16:creationId xmlns:a16="http://schemas.microsoft.com/office/drawing/2014/main" id="{1A882A9F-F4E9-4E23-8F0B-20B5DF42EAA9}"/>
               </a:ext>
               <a:ext uri="{C183D7F6-B498-43B3-948B-1728B52AA6E4}">
-                <adec:decorative xmlns:adec="http://schemas.microsoft.com/office/drawing/2017/decorative" val="1"/>
+                <adec:decorative xmlns:adec="http://schemas.microsoft.com/office/drawing/2017/decorative" xmlns="" val="1"/>
               </a:ext>
             </a:extLst>
           </p:cNvPr>
@@ -9655,7 +9566,7 @@
                 <a16:creationId xmlns:a16="http://schemas.microsoft.com/office/drawing/2014/main" id="{FBE9F90C-C163-435B-9A68-D15C92D1CF2B}"/>
               </a:ext>
               <a:ext uri="{C183D7F6-B498-43B3-948B-1728B52AA6E4}">
-                <adec:decorative xmlns:adec="http://schemas.microsoft.com/office/drawing/2017/decorative" val="1"/>
+                <adec:decorative xmlns:adec="http://schemas.microsoft.com/office/drawing/2017/decorative" xmlns="" val="1"/>
               </a:ext>
             </a:extLst>
           </p:cNvPr>
@@ -9749,7 +9660,7 @@
                 <a16:creationId xmlns:a16="http://schemas.microsoft.com/office/drawing/2014/main" id="{CDA1A2E9-63FE-408D-A803-8E306ECAB4B3}"/>
               </a:ext>
               <a:ext uri="{C183D7F6-B498-43B3-948B-1728B52AA6E4}">
-                <adec:decorative xmlns:adec="http://schemas.microsoft.com/office/drawing/2017/decorative" val="1"/>
+                <adec:decorative xmlns:adec="http://schemas.microsoft.com/office/drawing/2017/decorative" xmlns="" val="1"/>
               </a:ext>
             </a:extLst>
           </p:cNvPr>
@@ -9981,7 +9892,7 @@
 </p:sld>
 </file>
 
-<file path=ppt/slides/slide16.xml><?xml version="1.0" encoding="utf-8"?>
+<file path=ppt/slides/slide15.xml><?xml version="1.0" encoding="utf-8"?>
 <p:sld xmlns:a="http://schemas.openxmlformats.org/drawingml/2006/main" xmlns:r="http://schemas.openxmlformats.org/officeDocument/2006/relationships" xmlns:p="http://schemas.openxmlformats.org/presentationml/2006/main">
   <p:cSld>
     <p:bg>
@@ -10014,7 +9925,7 @@
                 <a16:creationId xmlns:a16="http://schemas.microsoft.com/office/drawing/2014/main" id="{CDA1A2E9-63FE-408D-A803-8E306ECAB4B3}"/>
               </a:ext>
               <a:ext uri="{C183D7F6-B498-43B3-948B-1728B52AA6E4}">
-                <adec:decorative xmlns:adec="http://schemas.microsoft.com/office/drawing/2017/decorative" val="1"/>
+                <adec:decorative xmlns:adec="http://schemas.microsoft.com/office/drawing/2017/decorative" xmlns="" val="1"/>
               </a:ext>
             </a:extLst>
           </p:cNvPr>
@@ -10150,7 +10061,7 @@
                 <a16:creationId xmlns:a16="http://schemas.microsoft.com/office/drawing/2014/main" id="{FBE9F90C-C163-435B-9A68-D15C92D1CF2B}"/>
               </a:ext>
               <a:ext uri="{C183D7F6-B498-43B3-948B-1728B52AA6E4}">
-                <adec:decorative xmlns:adec="http://schemas.microsoft.com/office/drawing/2017/decorative" val="1"/>
+                <adec:decorative xmlns:adec="http://schemas.microsoft.com/office/drawing/2017/decorative" xmlns="" val="1"/>
               </a:ext>
             </a:extLst>
           </p:cNvPr>
@@ -10302,7 +10213,7 @@
                 <a14:useLocalDpi xmlns:a14="http://schemas.microsoft.com/office/drawing/2010/main" val="0"/>
               </a:ext>
               <a:ext uri="{96DAC541-7B7A-43D3-8B79-37D633B846F1}">
-                <asvg:svgBlip xmlns:asvg="http://schemas.microsoft.com/office/drawing/2016/SVG/main" r:embed="rId3"/>
+                <asvg:svgBlip xmlns:asvg="http://schemas.microsoft.com/office/drawing/2016/SVG/main" xmlns="" r:embed="rId3"/>
               </a:ext>
             </a:extLst>
           </a:blip>
@@ -10328,7 +10239,7 @@
                 <a16:creationId xmlns:a16="http://schemas.microsoft.com/office/drawing/2014/main" id="{1A882A9F-F4E9-4E23-8F0B-20B5DF42EAA9}"/>
               </a:ext>
               <a:ext uri="{C183D7F6-B498-43B3-948B-1728B52AA6E4}">
-                <adec:decorative xmlns:adec="http://schemas.microsoft.com/office/drawing/2017/decorative" val="1"/>
+                <adec:decorative xmlns:adec="http://schemas.microsoft.com/office/drawing/2017/decorative" xmlns="" val="1"/>
               </a:ext>
             </a:extLst>
           </p:cNvPr>
@@ -10427,7 +10338,7 @@
 </p:sld>
 </file>
 
-<file path=ppt/slides/slide17.xml><?xml version="1.0" encoding="utf-8"?>
+<file path=ppt/slides/slide16.xml><?xml version="1.0" encoding="utf-8"?>
 <p:sld xmlns:a="http://schemas.openxmlformats.org/drawingml/2006/main" xmlns:r="http://schemas.openxmlformats.org/officeDocument/2006/relationships" xmlns:p="http://schemas.openxmlformats.org/presentationml/2006/main">
   <p:cSld>
     <p:bg>
@@ -10473,7 +10384,7 @@
                 <a14:useLocalDpi xmlns:a14="http://schemas.microsoft.com/office/drawing/2010/main" val="0"/>
               </a:ext>
               <a:ext uri="{96DAC541-7B7A-43D3-8B79-37D633B846F1}">
-                <asvg:svgBlip xmlns:asvg="http://schemas.microsoft.com/office/drawing/2016/SVG/main" r:embed="rId3"/>
+                <asvg:svgBlip xmlns:asvg="http://schemas.microsoft.com/office/drawing/2016/SVG/main" xmlns="" r:embed="rId3"/>
               </a:ext>
             </a:extLst>
           </a:blip>
@@ -10499,7 +10410,7 @@
                 <a16:creationId xmlns:a16="http://schemas.microsoft.com/office/drawing/2014/main" id="{1A882A9F-F4E9-4E23-8F0B-20B5DF42EAA9}"/>
               </a:ext>
               <a:ext uri="{C183D7F6-B498-43B3-948B-1728B52AA6E4}">
-                <adec:decorative xmlns:adec="http://schemas.microsoft.com/office/drawing/2017/decorative" val="1"/>
+                <adec:decorative xmlns:adec="http://schemas.microsoft.com/office/drawing/2017/decorative" xmlns="" val="1"/>
               </a:ext>
             </a:extLst>
           </p:cNvPr>
@@ -10593,7 +10504,7 @@
                 <a16:creationId xmlns:a16="http://schemas.microsoft.com/office/drawing/2014/main" id="{FBE9F90C-C163-435B-9A68-D15C92D1CF2B}"/>
               </a:ext>
               <a:ext uri="{C183D7F6-B498-43B3-948B-1728B52AA6E4}">
-                <adec:decorative xmlns:adec="http://schemas.microsoft.com/office/drawing/2017/decorative" val="1"/>
+                <adec:decorative xmlns:adec="http://schemas.microsoft.com/office/drawing/2017/decorative" xmlns="" val="1"/>
               </a:ext>
             </a:extLst>
           </p:cNvPr>
@@ -10687,7 +10598,7 @@
                 <a16:creationId xmlns:a16="http://schemas.microsoft.com/office/drawing/2014/main" id="{CDA1A2E9-63FE-408D-A803-8E306ECAB4B3}"/>
               </a:ext>
               <a:ext uri="{C183D7F6-B498-43B3-948B-1728B52AA6E4}">
-                <adec:decorative xmlns:adec="http://schemas.microsoft.com/office/drawing/2017/decorative" val="1"/>
+                <adec:decorative xmlns:adec="http://schemas.microsoft.com/office/drawing/2017/decorative" xmlns="" val="1"/>
               </a:ext>
             </a:extLst>
           </p:cNvPr>
@@ -10913,7 +10824,7 @@
                 <a14:useLocalDpi xmlns:a14="http://schemas.microsoft.com/office/drawing/2010/main" val="0"/>
               </a:ext>
               <a:ext uri="{96DAC541-7B7A-43D3-8B79-37D633B846F1}">
-                <asvg:svgBlip xmlns:asvg="http://schemas.microsoft.com/office/drawing/2016/SVG/main" r:embed="rId3"/>
+                <asvg:svgBlip xmlns:asvg="http://schemas.microsoft.com/office/drawing/2016/SVG/main" xmlns="" r:embed="rId3"/>
               </a:ext>
             </a:extLst>
           </a:blip>
@@ -11034,164 +10945,6 @@
 </file>
 
 <file path=ppt/slides/slide3.xml><?xml version="1.0" encoding="utf-8"?>
-<p:sld xmlns:a="http://schemas.openxmlformats.org/drawingml/2006/main" xmlns:r="http://schemas.openxmlformats.org/officeDocument/2006/relationships" xmlns:p="http://schemas.openxmlformats.org/presentationml/2006/main">
-  <p:cSld>
-    <p:spTree>
-      <p:nvGrpSpPr>
-        <p:cNvPr id="1" name=""/>
-        <p:cNvGrpSpPr/>
-        <p:nvPr/>
-      </p:nvGrpSpPr>
-      <p:grpSpPr>
-        <a:xfrm>
-          <a:off x="0" y="0"/>
-          <a:ext cx="0" cy="0"/>
-          <a:chOff x="0" y="0"/>
-          <a:chExt cx="0" cy="0"/>
-        </a:xfrm>
-      </p:grpSpPr>
-      <p:pic>
-        <p:nvPicPr>
-          <p:cNvPr id="7" name="Graphic 6">
-            <a:extLst>
-              <a:ext uri="{FF2B5EF4-FFF2-40B4-BE49-F238E27FC236}">
-                <a16:creationId xmlns:a16="http://schemas.microsoft.com/office/drawing/2014/main" id="{CC18DA7E-9FB8-4C9B-A87D-898E8D6893A8}"/>
-              </a:ext>
-            </a:extLst>
-          </p:cNvPr>
-          <p:cNvPicPr>
-            <a:picLocks noChangeAspect="1"/>
-          </p:cNvPicPr>
-          <p:nvPr/>
-        </p:nvPicPr>
-        <p:blipFill>
-          <a:blip r:embed="rId2">
-            <a:extLst>
-              <a:ext uri="{28A0092B-C50C-407E-A947-70E740481C1C}">
-                <a14:useLocalDpi xmlns:a14="http://schemas.microsoft.com/office/drawing/2010/main" val="0"/>
-              </a:ext>
-              <a:ext uri="{96DAC541-7B7A-43D3-8B79-37D633B846F1}">
-                <asvg:svgBlip xmlns:asvg="http://schemas.microsoft.com/office/drawing/2016/SVG/main" r:embed="rId3"/>
-              </a:ext>
-            </a:extLst>
-          </a:blip>
-          <a:stretch>
-            <a:fillRect/>
-          </a:stretch>
-        </p:blipFill>
-        <p:spPr>
-          <a:xfrm>
-            <a:off x="632619" y="365125"/>
-            <a:ext cx="1119981" cy="1119981"/>
-          </a:xfrm>
-          <a:prstGeom prst="rect">
-            <a:avLst/>
-          </a:prstGeom>
-        </p:spPr>
-      </p:pic>
-      <p:sp>
-        <p:nvSpPr>
-          <p:cNvPr id="2" name="Title 1">
-            <a:extLst>
-              <a:ext uri="{FF2B5EF4-FFF2-40B4-BE49-F238E27FC236}">
-                <a16:creationId xmlns:a16="http://schemas.microsoft.com/office/drawing/2014/main" id="{47181E45-C23A-4FDF-9335-310AC4537DAD}"/>
-              </a:ext>
-            </a:extLst>
-          </p:cNvPr>
-          <p:cNvSpPr>
-            <a:spLocks noGrp="1"/>
-          </p:cNvSpPr>
-          <p:nvPr>
-            <p:ph type="title"/>
-          </p:nvPr>
-        </p:nvSpPr>
-        <p:spPr>
-          <a:xfrm>
-            <a:off x="1913468" y="365125"/>
-            <a:ext cx="9440332" cy="1325563"/>
-          </a:xfrm>
-        </p:spPr>
-        <p:txBody>
-          <a:bodyPr>
-            <a:normAutofit/>
-          </a:bodyPr>
-          <a:lstStyle/>
-          <a:p>
-            <a:r>
-              <a:rPr lang="en-US" dirty="0"/>
-              <a:t>Agenda</a:t>
-            </a:r>
-          </a:p>
-        </p:txBody>
-      </p:sp>
-      <p:sp>
-        <p:nvSpPr>
-          <p:cNvPr id="3" name="Content Placeholder 2">
-            <a:extLst>
-              <a:ext uri="{FF2B5EF4-FFF2-40B4-BE49-F238E27FC236}">
-                <a16:creationId xmlns:a16="http://schemas.microsoft.com/office/drawing/2014/main" id="{88161BE5-48BE-423F-986A-2C585BFE6C45}"/>
-              </a:ext>
-            </a:extLst>
-          </p:cNvPr>
-          <p:cNvSpPr>
-            <a:spLocks noGrp="1"/>
-          </p:cNvSpPr>
-          <p:nvPr>
-            <p:ph idx="1"/>
-          </p:nvPr>
-        </p:nvSpPr>
-        <p:spPr>
-          <a:xfrm>
-            <a:off x="838200" y="1825625"/>
-            <a:ext cx="10515600" cy="4351338"/>
-          </a:xfrm>
-        </p:spPr>
-        <p:txBody>
-          <a:bodyPr>
-            <a:normAutofit/>
-          </a:bodyPr>
-          <a:lstStyle/>
-          <a:p>
-            <a:r>
-              <a:rPr lang="en-US" dirty="0"/>
-              <a:t>Discussion</a:t>
-            </a:r>
-          </a:p>
-          <a:p>
-            <a:r>
-              <a:rPr lang="en-US" dirty="0"/>
-              <a:t>Content</a:t>
-            </a:r>
-          </a:p>
-          <a:p>
-            <a:pPr lvl="1"/>
-            <a:r>
-              <a:rPr lang="en-US" dirty="0"/>
-              <a:t>Application Architectures</a:t>
-            </a:r>
-          </a:p>
-          <a:p>
-            <a:r>
-              <a:rPr lang="en-US" dirty="0"/>
-              <a:t>Wrap-Up</a:t>
-            </a:r>
-          </a:p>
-        </p:txBody>
-      </p:sp>
-    </p:spTree>
-    <p:extLst>
-      <p:ext uri="{BB962C8B-B14F-4D97-AF65-F5344CB8AC3E}">
-        <p14:creationId xmlns:p14="http://schemas.microsoft.com/office/powerpoint/2010/main" val="593817516"/>
-      </p:ext>
-    </p:extLst>
-  </p:cSld>
-  <p:clrMapOvr>
-    <a:masterClrMapping/>
-  </p:clrMapOvr>
-</p:sld>
-</file>
-
-<file path=ppt/slides/slide4.xml><?xml version="1.0" encoding="utf-8"?>
 <p:sld xmlns:a="http://schemas.openxmlformats.org/drawingml/2006/main" xmlns:r="http://schemas.openxmlformats.org/officeDocument/2006/relationships" xmlns:p="http://schemas.openxmlformats.org/presentationml/2006/main">
   <p:cSld>
     <p:bg>
@@ -11224,7 +10977,7 @@
                 <a16:creationId xmlns:a16="http://schemas.microsoft.com/office/drawing/2014/main" id="{F98ED85F-DCEE-4B50-802E-71A6E3E12B04}"/>
               </a:ext>
               <a:ext uri="{C183D7F6-B498-43B3-948B-1728B52AA6E4}">
-                <adec:decorative xmlns:adec="http://schemas.microsoft.com/office/drawing/2017/decorative" val="1"/>
+                <adec:decorative xmlns:adec="http://schemas.microsoft.com/office/drawing/2017/decorative" xmlns="" val="1"/>
               </a:ext>
             </a:extLst>
           </p:cNvPr>
@@ -11414,7 +11167,7 @@
 </p:sld>
 </file>
 
-<file path=ppt/slides/slide5.xml><?xml version="1.0" encoding="utf-8"?>
+<file path=ppt/slides/slide4.xml><?xml version="1.0" encoding="utf-8"?>
 <p:sld xmlns:a="http://schemas.openxmlformats.org/drawingml/2006/main" xmlns:r="http://schemas.openxmlformats.org/officeDocument/2006/relationships" xmlns:p="http://schemas.openxmlformats.org/presentationml/2006/main">
   <p:cSld>
     <p:bg>
@@ -11526,7 +11279,7 @@
 </p:sld>
 </file>
 
-<file path=ppt/slides/slide6.xml><?xml version="1.0" encoding="utf-8"?>
+<file path=ppt/slides/slide5.xml><?xml version="1.0" encoding="utf-8"?>
 <p:sld xmlns:a="http://schemas.openxmlformats.org/drawingml/2006/main" xmlns:r="http://schemas.openxmlformats.org/officeDocument/2006/relationships" xmlns:p="http://schemas.openxmlformats.org/presentationml/2006/main">
   <p:cSld>
     <p:bg>
@@ -11559,7 +11312,7 @@
                 <a16:creationId xmlns:a16="http://schemas.microsoft.com/office/drawing/2014/main" id="{559AE206-7EBA-4D33-8BC9-9D8158553F0E}"/>
               </a:ext>
               <a:ext uri="{C183D7F6-B498-43B3-948B-1728B52AA6E4}">
-                <adec:decorative xmlns:adec="http://schemas.microsoft.com/office/drawing/2017/decorative" val="1"/>
+                <adec:decorative xmlns:adec="http://schemas.microsoft.com/office/drawing/2017/decorative" xmlns="" val="1"/>
               </a:ext>
             </a:extLst>
           </p:cNvPr>
@@ -11736,7 +11489,7 @@
                 <a16:creationId xmlns:a16="http://schemas.microsoft.com/office/drawing/2014/main" id="{6437D937-A7F1-4011-92B4-328E5BE1B166}"/>
               </a:ext>
               <a:ext uri="{C183D7F6-B498-43B3-948B-1728B52AA6E4}">
-                <adec:decorative xmlns:adec="http://schemas.microsoft.com/office/drawing/2017/decorative" val="1"/>
+                <adec:decorative xmlns:adec="http://schemas.microsoft.com/office/drawing/2017/decorative" xmlns="" val="1"/>
               </a:ext>
             </a:extLst>
           </p:cNvPr>
@@ -11828,7 +11581,7 @@
                 <a16:creationId xmlns:a16="http://schemas.microsoft.com/office/drawing/2014/main" id="{B672F332-AF08-46C6-94F0-77684310D7B7}"/>
               </a:ext>
               <a:ext uri="{C183D7F6-B498-43B3-948B-1728B52AA6E4}">
-                <adec:decorative xmlns:adec="http://schemas.microsoft.com/office/drawing/2017/decorative" val="1"/>
+                <adec:decorative xmlns:adec="http://schemas.microsoft.com/office/drawing/2017/decorative" xmlns="" val="1"/>
               </a:ext>
             </a:extLst>
           </p:cNvPr>
@@ -11920,7 +11673,7 @@
                 <a16:creationId xmlns:a16="http://schemas.microsoft.com/office/drawing/2014/main" id="{34244EF8-D73A-40E1-BE73-D46E6B4B04ED}"/>
               </a:ext>
               <a:ext uri="{C183D7F6-B498-43B3-948B-1728B52AA6E4}">
-                <adec:decorative xmlns:adec="http://schemas.microsoft.com/office/drawing/2017/decorative" val="1"/>
+                <adec:decorative xmlns:adec="http://schemas.microsoft.com/office/drawing/2017/decorative" xmlns="" val="1"/>
               </a:ext>
             </a:extLst>
           </p:cNvPr>
@@ -12012,7 +11765,7 @@
                 <a16:creationId xmlns:a16="http://schemas.microsoft.com/office/drawing/2014/main" id="{AB84D7E8-4ECB-42D7-ADBF-01689B0F24AE}"/>
               </a:ext>
               <a:ext uri="{C183D7F6-B498-43B3-948B-1728B52AA6E4}">
-                <adec:decorative xmlns:adec="http://schemas.microsoft.com/office/drawing/2017/decorative" val="1"/>
+                <adec:decorative xmlns:adec="http://schemas.microsoft.com/office/drawing/2017/decorative" xmlns="" val="1"/>
               </a:ext>
             </a:extLst>
           </p:cNvPr>
@@ -12167,7 +11920,7 @@
                 <a16:creationId xmlns:a16="http://schemas.microsoft.com/office/drawing/2014/main" id="{9E8E38ED-369A-44C2-B635-0BED0E48A6E8}"/>
               </a:ext>
               <a:ext uri="{C183D7F6-B498-43B3-948B-1728B52AA6E4}">
-                <adec:decorative xmlns:adec="http://schemas.microsoft.com/office/drawing/2017/decorative" val="1"/>
+                <adec:decorative xmlns:adec="http://schemas.microsoft.com/office/drawing/2017/decorative" xmlns="" val="1"/>
               </a:ext>
             </a:extLst>
           </p:cNvPr>
@@ -12224,7 +11977,7 @@
 </p:sld>
 </file>
 
-<file path=ppt/slides/slide7.xml><?xml version="1.0" encoding="utf-8"?>
+<file path=ppt/slides/slide6.xml><?xml version="1.0" encoding="utf-8"?>
 <p:sld xmlns:a="http://schemas.openxmlformats.org/drawingml/2006/main" xmlns:r="http://schemas.openxmlformats.org/officeDocument/2006/relationships" xmlns:p="http://schemas.openxmlformats.org/presentationml/2006/main">
   <p:cSld>
     <p:spTree>
@@ -12303,7 +12056,7 @@
 </p:sld>
 </file>
 
-<file path=ppt/slides/slide8.xml><?xml version="1.0" encoding="utf-8"?>
+<file path=ppt/slides/slide7.xml><?xml version="1.0" encoding="utf-8"?>
 <p:sld xmlns:a="http://schemas.openxmlformats.org/drawingml/2006/main" xmlns:r="http://schemas.openxmlformats.org/officeDocument/2006/relationships" xmlns:p="http://schemas.openxmlformats.org/presentationml/2006/main">
   <p:cSld>
     <p:spTree>
@@ -12341,7 +12094,7 @@
                 <a14:useLocalDpi xmlns:a14="http://schemas.microsoft.com/office/drawing/2010/main" val="0"/>
               </a:ext>
               <a:ext uri="{96DAC541-7B7A-43D3-8B79-37D633B846F1}">
-                <asvg:svgBlip xmlns:asvg="http://schemas.microsoft.com/office/drawing/2016/SVG/main" r:embed="rId4"/>
+                <asvg:svgBlip xmlns:asvg="http://schemas.microsoft.com/office/drawing/2016/SVG/main" xmlns="" r:embed="rId4"/>
               </a:ext>
             </a:extLst>
           </a:blip>
@@ -12477,6 +12230,177 @@
     <p:extLst>
       <p:ext uri="{BB962C8B-B14F-4D97-AF65-F5344CB8AC3E}">
         <p14:creationId xmlns:p14="http://schemas.microsoft.com/office/powerpoint/2010/main" val="3759275821"/>
+      </p:ext>
+    </p:extLst>
+  </p:cSld>
+  <p:clrMapOvr>
+    <a:masterClrMapping/>
+  </p:clrMapOvr>
+</p:sld>
+</file>
+
+<file path=ppt/slides/slide8.xml><?xml version="1.0" encoding="utf-8"?>
+<p:sld xmlns:a="http://schemas.openxmlformats.org/drawingml/2006/main" xmlns:r="http://schemas.openxmlformats.org/officeDocument/2006/relationships" xmlns:p="http://schemas.openxmlformats.org/presentationml/2006/main">
+  <p:cSld>
+    <p:spTree>
+      <p:nvGrpSpPr>
+        <p:cNvPr id="1" name=""/>
+        <p:cNvGrpSpPr/>
+        <p:nvPr/>
+      </p:nvGrpSpPr>
+      <p:grpSpPr>
+        <a:xfrm>
+          <a:off x="0" y="0"/>
+          <a:ext cx="0" cy="0"/>
+          <a:chOff x="0" y="0"/>
+          <a:chExt cx="0" cy="0"/>
+        </a:xfrm>
+      </p:grpSpPr>
+      <p:sp>
+        <p:nvSpPr>
+          <p:cNvPr id="9" name="Title 8">
+            <a:extLst>
+              <a:ext uri="{FF2B5EF4-FFF2-40B4-BE49-F238E27FC236}">
+                <a16:creationId xmlns:a16="http://schemas.microsoft.com/office/drawing/2014/main" id="{2E3877A3-30C9-46AB-89A0-0E392B51784B}"/>
+              </a:ext>
+            </a:extLst>
+          </p:cNvPr>
+          <p:cNvSpPr>
+            <a:spLocks noGrp="1"/>
+          </p:cNvSpPr>
+          <p:nvPr>
+            <p:ph type="title"/>
+          </p:nvPr>
+        </p:nvSpPr>
+        <p:spPr/>
+        <p:txBody>
+          <a:bodyPr>
+            <a:normAutofit/>
+          </a:bodyPr>
+          <a:lstStyle/>
+          <a:p>
+            <a:r>
+              <a:rPr lang="en-US" dirty="0"/>
+              <a:t>Components of An Application</a:t>
+            </a:r>
+          </a:p>
+        </p:txBody>
+      </p:sp>
+      <p:graphicFrame>
+        <p:nvGraphicFramePr>
+          <p:cNvPr id="12" name="Content Placeholder 9">
+            <a:extLst>
+              <a:ext uri="{FF2B5EF4-FFF2-40B4-BE49-F238E27FC236}">
+                <a16:creationId xmlns:a16="http://schemas.microsoft.com/office/drawing/2014/main" id="{6061E8B3-5DD2-4914-91C0-C3F97E119A7A}"/>
+              </a:ext>
+            </a:extLst>
+          </p:cNvPr>
+          <p:cNvGraphicFramePr>
+            <a:graphicFrameLocks noGrp="1"/>
+          </p:cNvGraphicFramePr>
+          <p:nvPr>
+            <p:ph idx="1"/>
+            <p:extLst>
+              <p:ext uri="{D42A27DB-BD31-4B8C-83A1-F6EECF244321}">
+                <p14:modId xmlns:p14="http://schemas.microsoft.com/office/powerpoint/2010/main" val="3926102518"/>
+              </p:ext>
+            </p:extLst>
+          </p:nvPr>
+        </p:nvGraphicFramePr>
+        <p:xfrm>
+          <a:off x="838200" y="1825625"/>
+          <a:ext cx="10515600" cy="4351338"/>
+        </p:xfrm>
+        <a:graphic>
+          <a:graphicData uri="http://schemas.openxmlformats.org/drawingml/2006/diagram">
+            <dgm:relIds xmlns:dgm="http://schemas.openxmlformats.org/drawingml/2006/diagram" xmlns:r="http://schemas.openxmlformats.org/officeDocument/2006/relationships" r:dm="rId3" r:lo="rId4" r:qs="rId5" r:cs="rId6"/>
+          </a:graphicData>
+        </a:graphic>
+      </p:graphicFrame>
+      <p:sp>
+        <p:nvSpPr>
+          <p:cNvPr id="6" name="Footer Placeholder 5">
+            <a:extLst>
+              <a:ext uri="{FF2B5EF4-FFF2-40B4-BE49-F238E27FC236}">
+                <a16:creationId xmlns:a16="http://schemas.microsoft.com/office/drawing/2014/main" id="{7D77497D-CF2F-4174-96E6-6561B4A875A0}"/>
+              </a:ext>
+            </a:extLst>
+          </p:cNvPr>
+          <p:cNvSpPr>
+            <a:spLocks noGrp="1"/>
+          </p:cNvSpPr>
+          <p:nvPr>
+            <p:ph type="ftr" sz="quarter" idx="11"/>
+          </p:nvPr>
+        </p:nvSpPr>
+        <p:spPr/>
+        <p:txBody>
+          <a:bodyPr>
+            <a:normAutofit/>
+          </a:bodyPr>
+          <a:lstStyle/>
+          <a:p>
+            <a:endParaRPr lang="en-US">
+              <a:solidFill>
+                <a:srgbClr val="FFFFFF"/>
+              </a:solidFill>
+            </a:endParaRPr>
+          </a:p>
+        </p:txBody>
+      </p:sp>
+      <p:sp>
+        <p:nvSpPr>
+          <p:cNvPr id="5" name="Slide Number Placeholder 4">
+            <a:extLst>
+              <a:ext uri="{FF2B5EF4-FFF2-40B4-BE49-F238E27FC236}">
+                <a16:creationId xmlns:a16="http://schemas.microsoft.com/office/drawing/2014/main" id="{05865EF1-885D-4A31-B9FB-273BE5FAB564}"/>
+              </a:ext>
+            </a:extLst>
+          </p:cNvPr>
+          <p:cNvSpPr>
+            <a:spLocks noGrp="1"/>
+          </p:cNvSpPr>
+          <p:nvPr>
+            <p:ph type="sldNum" sz="quarter" idx="12"/>
+          </p:nvPr>
+        </p:nvSpPr>
+        <p:spPr/>
+        <p:txBody>
+          <a:bodyPr>
+            <a:normAutofit/>
+          </a:bodyPr>
+          <a:lstStyle/>
+          <a:p>
+            <a:pPr>
+              <a:spcAft>
+                <a:spcPts val="600"/>
+              </a:spcAft>
+            </a:pPr>
+            <a:fld id="{56FBB80D-BC95-41F9-A723-7C4BDED58279}" type="slidenum">
+              <a:rPr lang="en-US">
+                <a:solidFill>
+                  <a:srgbClr val="FFFFFF"/>
+                </a:solidFill>
+              </a:rPr>
+              <a:pPr>
+                <a:spcAft>
+                  <a:spcPts val="600"/>
+                </a:spcAft>
+              </a:pPr>
+              <a:t>8</a:t>
+            </a:fld>
+            <a:endParaRPr lang="en-US">
+              <a:solidFill>
+                <a:srgbClr val="FFFFFF"/>
+              </a:solidFill>
+            </a:endParaRPr>
+          </a:p>
+        </p:txBody>
+      </p:sp>
+    </p:spTree>
+    <p:extLst>
+      <p:ext uri="{BB962C8B-B14F-4D97-AF65-F5344CB8AC3E}">
+        <p14:creationId xmlns:p14="http://schemas.microsoft.com/office/powerpoint/2010/main" val="1603808011"/>
       </p:ext>
     </p:extLst>
   </p:cSld>
@@ -12505,13 +12429,7 @@
       </p:grpSpPr>
       <p:sp>
         <p:nvSpPr>
-          <p:cNvPr id="9" name="Title 8">
-            <a:extLst>
-              <a:ext uri="{FF2B5EF4-FFF2-40B4-BE49-F238E27FC236}">
-                <a16:creationId xmlns:a16="http://schemas.microsoft.com/office/drawing/2014/main" id="{2E3877A3-30C9-46AB-89A0-0E392B51784B}"/>
-              </a:ext>
-            </a:extLst>
-          </p:cNvPr>
+          <p:cNvPr id="2" name="Title 1"/>
           <p:cNvSpPr>
             <a:spLocks noGrp="1"/>
           </p:cNvSpPr>
@@ -12519,7 +12437,39 @@
             <p:ph type="title"/>
           </p:nvPr>
         </p:nvSpPr>
-        <p:spPr/>
+        <p:spPr>
+          <a:xfrm>
+            <a:off x="452387" y="365125"/>
+            <a:ext cx="10901413" cy="1325563"/>
+          </a:xfrm>
+        </p:spPr>
+        <p:txBody>
+          <a:bodyPr/>
+          <a:lstStyle/>
+          <a:p>
+            <a:r>
+              <a:rPr lang="en-US" dirty="0"/>
+              <a:t>Check:</a:t>
+            </a:r>
+          </a:p>
+        </p:txBody>
+      </p:sp>
+      <p:sp>
+        <p:nvSpPr>
+          <p:cNvPr id="3" name="Content Placeholder 2"/>
+          <p:cNvSpPr>
+            <a:spLocks noGrp="1"/>
+          </p:cNvSpPr>
+          <p:nvPr>
+            <p:ph idx="1"/>
+          </p:nvPr>
+        </p:nvSpPr>
+        <p:spPr>
+          <a:xfrm>
+            <a:off x="308008" y="1825625"/>
+            <a:ext cx="2849077" cy="4351338"/>
+          </a:xfrm>
+        </p:spPr>
         <p:txBody>
           <a:bodyPr>
             <a:normAutofit/>
@@ -12527,127 +12477,100 @@
           <a:lstStyle/>
           <a:p>
             <a:r>
-              <a:rPr lang="en-US" dirty="0"/>
-              <a:t>Components of An Application</a:t>
-            </a:r>
-          </a:p>
-        </p:txBody>
-      </p:sp>
-      <p:graphicFrame>
-        <p:nvGraphicFramePr>
-          <p:cNvPr id="12" name="Content Placeholder 9">
+              <a:rPr lang="en-US" sz="2800" dirty="0"/>
+              <a:t>Example </a:t>
+            </a:r>
+            <a:r>
+              <a:rPr lang="en-US" sz="2800" dirty="0">
+                <a:sym typeface="Wingdings" panose="05000000000000000000" pitchFamily="2" charset="2"/>
+              </a:rPr>
+              <a:t></a:t>
+            </a:r>
+            <a:endParaRPr lang="en-US" sz="2800" dirty="0"/>
+          </a:p>
+          <a:p>
+            <a:r>
+              <a:rPr lang="en-US" sz="2800" dirty="0"/>
+              <a:t>Code:</a:t>
+            </a:r>
+          </a:p>
+          <a:p>
+            <a:pPr lvl="1"/>
+            <a:r>
+              <a:rPr lang="en-US" sz="2400" dirty="0"/>
+              <a:t>Presentation?</a:t>
+            </a:r>
+          </a:p>
+          <a:p>
+            <a:pPr lvl="1"/>
+            <a:r>
+              <a:rPr lang="en-US" sz="2400" dirty="0"/>
+              <a:t>Business</a:t>
+            </a:r>
+            <a:br>
+              <a:rPr lang="en-US" sz="2400" dirty="0"/>
+            </a:br>
+            <a:r>
+              <a:rPr lang="en-US" sz="2400" dirty="0"/>
+              <a:t>Logic ?</a:t>
+            </a:r>
+          </a:p>
+          <a:p>
+            <a:pPr lvl="1"/>
+            <a:r>
+              <a:rPr lang="en-US" sz="2400" dirty="0"/>
+              <a:t>Data Access? </a:t>
+            </a:r>
+          </a:p>
+          <a:p>
+            <a:r>
+              <a:rPr lang="en-US" sz="2800" dirty="0"/>
+              <a:t>Data</a:t>
+            </a:r>
+          </a:p>
+          <a:p>
+            <a:pPr lvl="1"/>
+            <a:r>
+              <a:rPr lang="en-US" sz="2400" dirty="0"/>
+              <a:t>Business Data ?</a:t>
+            </a:r>
+          </a:p>
+        </p:txBody>
+      </p:sp>
+      <p:pic>
+        <p:nvPicPr>
+          <p:cNvPr id="10" name="Picture 9"/>
+          <p:cNvPicPr>
+            <a:picLocks noChangeAspect="1"/>
+          </p:cNvPicPr>
+          <p:nvPr/>
+        </p:nvPicPr>
+        <p:blipFill>
+          <a:blip r:embed="rId2">
             <a:extLst>
-              <a:ext uri="{FF2B5EF4-FFF2-40B4-BE49-F238E27FC236}">
-                <a16:creationId xmlns:a16="http://schemas.microsoft.com/office/drawing/2014/main" id="{6061E8B3-5DD2-4914-91C0-C3F97E119A7A}"/>
+              <a:ext uri="{28A0092B-C50C-407E-A947-70E740481C1C}">
+                <a14:useLocalDpi xmlns:a14="http://schemas.microsoft.com/office/drawing/2010/main" val="0"/>
               </a:ext>
             </a:extLst>
-          </p:cNvPr>
-          <p:cNvGraphicFramePr>
-            <a:graphicFrameLocks noGrp="1"/>
-          </p:cNvGraphicFramePr>
-          <p:nvPr>
-            <p:ph idx="1"/>
-            <p:extLst>
-              <p:ext uri="{D42A27DB-BD31-4B8C-83A1-F6EECF244321}">
-                <p14:modId xmlns:p14="http://schemas.microsoft.com/office/powerpoint/2010/main" val="3926102518"/>
-              </p:ext>
-            </p:extLst>
-          </p:nvPr>
-        </p:nvGraphicFramePr>
-        <p:xfrm>
-          <a:off x="838200" y="1825625"/>
-          <a:ext cx="10515600" cy="4351338"/>
-        </p:xfrm>
-        <a:graphic>
-          <a:graphicData uri="http://schemas.openxmlformats.org/drawingml/2006/diagram">
-            <dgm:relIds xmlns:dgm="http://schemas.openxmlformats.org/drawingml/2006/diagram" xmlns:r="http://schemas.openxmlformats.org/officeDocument/2006/relationships" r:dm="rId3" r:lo="rId4" r:qs="rId5" r:cs="rId6"/>
-          </a:graphicData>
-        </a:graphic>
-      </p:graphicFrame>
-      <p:sp>
-        <p:nvSpPr>
-          <p:cNvPr id="6" name="Footer Placeholder 5">
-            <a:extLst>
-              <a:ext uri="{FF2B5EF4-FFF2-40B4-BE49-F238E27FC236}">
-                <a16:creationId xmlns:a16="http://schemas.microsoft.com/office/drawing/2014/main" id="{7D77497D-CF2F-4174-96E6-6561B4A875A0}"/>
-              </a:ext>
-            </a:extLst>
-          </p:cNvPr>
-          <p:cNvSpPr>
-            <a:spLocks noGrp="1"/>
-          </p:cNvSpPr>
-          <p:nvPr>
-            <p:ph type="ftr" sz="quarter" idx="11"/>
-          </p:nvPr>
-        </p:nvSpPr>
-        <p:spPr/>
-        <p:txBody>
-          <a:bodyPr>
-            <a:normAutofit/>
-          </a:bodyPr>
-          <a:lstStyle/>
-          <a:p>
-            <a:endParaRPr lang="en-US">
-              <a:solidFill>
-                <a:srgbClr val="FFFFFF"/>
-              </a:solidFill>
-            </a:endParaRPr>
-          </a:p>
-        </p:txBody>
-      </p:sp>
-      <p:sp>
-        <p:nvSpPr>
-          <p:cNvPr id="5" name="Slide Number Placeholder 4">
-            <a:extLst>
-              <a:ext uri="{FF2B5EF4-FFF2-40B4-BE49-F238E27FC236}">
-                <a16:creationId xmlns:a16="http://schemas.microsoft.com/office/drawing/2014/main" id="{05865EF1-885D-4A31-B9FB-273BE5FAB564}"/>
-              </a:ext>
-            </a:extLst>
-          </p:cNvPr>
-          <p:cNvSpPr>
-            <a:spLocks noGrp="1"/>
-          </p:cNvSpPr>
-          <p:nvPr>
-            <p:ph type="sldNum" sz="quarter" idx="12"/>
-          </p:nvPr>
-        </p:nvSpPr>
-        <p:spPr/>
-        <p:txBody>
-          <a:bodyPr>
-            <a:normAutofit/>
-          </a:bodyPr>
-          <a:lstStyle/>
-          <a:p>
-            <a:pPr>
-              <a:spcAft>
-                <a:spcPts val="600"/>
-              </a:spcAft>
-            </a:pPr>
-            <a:fld id="{56FBB80D-BC95-41F9-A723-7C4BDED58279}" type="slidenum">
-              <a:rPr lang="en-US">
-                <a:solidFill>
-                  <a:srgbClr val="FFFFFF"/>
-                </a:solidFill>
-              </a:rPr>
-              <a:pPr>
-                <a:spcAft>
-                  <a:spcPts val="600"/>
-                </a:spcAft>
-              </a:pPr>
-              <a:t>9</a:t>
-            </a:fld>
-            <a:endParaRPr lang="en-US">
-              <a:solidFill>
-                <a:srgbClr val="FFFFFF"/>
-              </a:solidFill>
-            </a:endParaRPr>
-          </a:p>
-        </p:txBody>
-      </p:sp>
+          </a:blip>
+          <a:stretch>
+            <a:fillRect/>
+          </a:stretch>
+        </p:blipFill>
+        <p:spPr>
+          <a:xfrm>
+            <a:off x="3227673" y="109487"/>
+            <a:ext cx="8824761" cy="6618571"/>
+          </a:xfrm>
+          <a:prstGeom prst="rect">
+            <a:avLst/>
+          </a:prstGeom>
+        </p:spPr>
+      </p:pic>
     </p:spTree>
     <p:extLst>
       <p:ext uri="{BB962C8B-B14F-4D97-AF65-F5344CB8AC3E}">
-        <p14:creationId xmlns:p14="http://schemas.microsoft.com/office/powerpoint/2010/main" val="1603808011"/>
+        <p14:creationId xmlns:p14="http://schemas.microsoft.com/office/powerpoint/2010/main" val="3425537333"/>
       </p:ext>
     </p:extLst>
   </p:cSld>
